--- a/Introductions.pptx
+++ b/Introductions.pptx
@@ -4,29 +4,33 @@
   <p:sldMasterIdLst>
     <p:sldMasterId id="2147483648" r:id="rId1"/>
   </p:sldMasterIdLst>
+  <p:notesMasterIdLst>
+    <p:notesMasterId r:id="rId25"/>
+  </p:notesMasterIdLst>
   <p:sldIdLst>
     <p:sldId id="256" r:id="rId2"/>
     <p:sldId id="257" r:id="rId3"/>
     <p:sldId id="259" r:id="rId4"/>
     <p:sldId id="279" r:id="rId5"/>
-    <p:sldId id="261" r:id="rId6"/>
-    <p:sldId id="262" r:id="rId7"/>
-    <p:sldId id="263" r:id="rId8"/>
-    <p:sldId id="264" r:id="rId9"/>
-    <p:sldId id="265" r:id="rId10"/>
-    <p:sldId id="266" r:id="rId11"/>
-    <p:sldId id="267" r:id="rId12"/>
-    <p:sldId id="269" r:id="rId13"/>
-    <p:sldId id="268" r:id="rId14"/>
-    <p:sldId id="270" r:id="rId15"/>
-    <p:sldId id="271" r:id="rId16"/>
-    <p:sldId id="272" r:id="rId17"/>
-    <p:sldId id="273" r:id="rId18"/>
-    <p:sldId id="274" r:id="rId19"/>
-    <p:sldId id="276" r:id="rId20"/>
-    <p:sldId id="277" r:id="rId21"/>
-    <p:sldId id="278" r:id="rId22"/>
-    <p:sldId id="275" r:id="rId23"/>
+    <p:sldId id="280" r:id="rId6"/>
+    <p:sldId id="261" r:id="rId7"/>
+    <p:sldId id="262" r:id="rId8"/>
+    <p:sldId id="263" r:id="rId9"/>
+    <p:sldId id="264" r:id="rId10"/>
+    <p:sldId id="265" r:id="rId11"/>
+    <p:sldId id="266" r:id="rId12"/>
+    <p:sldId id="267" r:id="rId13"/>
+    <p:sldId id="269" r:id="rId14"/>
+    <p:sldId id="268" r:id="rId15"/>
+    <p:sldId id="270" r:id="rId16"/>
+    <p:sldId id="271" r:id="rId17"/>
+    <p:sldId id="272" r:id="rId18"/>
+    <p:sldId id="273" r:id="rId19"/>
+    <p:sldId id="274" r:id="rId20"/>
+    <p:sldId id="276" r:id="rId21"/>
+    <p:sldId id="277" r:id="rId22"/>
+    <p:sldId id="278" r:id="rId23"/>
+    <p:sldId id="275" r:id="rId24"/>
   </p:sldIdLst>
   <p:sldSz cx="12192000" cy="6858000"/>
   <p:notesSz cx="6858000" cy="9144000"/>
@@ -125,7 +129,445 @@
       </a:defRPr>
     </a:lvl9pPr>
   </p:defaultTextStyle>
+  <p:extLst>
+    <p:ext uri="{EFAFB233-063F-42B5-8137-9DF3F51BA10A}">
+      <p15:sldGuideLst xmlns:p15="http://schemas.microsoft.com/office/powerpoint/2012/main"/>
+    </p:ext>
+  </p:extLst>
 </p:presentation>
+</file>
+
+<file path=ppt/notesMasters/notesMaster1.xml><?xml version="1.0" encoding="utf-8"?>
+<p:notesMaster xmlns:a="http://schemas.openxmlformats.org/drawingml/2006/main" xmlns:r="http://schemas.openxmlformats.org/officeDocument/2006/relationships" xmlns:p="http://schemas.openxmlformats.org/presentationml/2006/main">
+  <p:cSld>
+    <p:bg>
+      <p:bgRef idx="1001">
+        <a:schemeClr val="bg1"/>
+      </p:bgRef>
+    </p:bg>
+    <p:spTree>
+      <p:nvGrpSpPr>
+        <p:cNvPr id="1" name=""/>
+        <p:cNvGrpSpPr/>
+        <p:nvPr/>
+      </p:nvGrpSpPr>
+      <p:grpSpPr>
+        <a:xfrm>
+          <a:off x="0" y="0"/>
+          <a:ext cx="0" cy="0"/>
+          <a:chOff x="0" y="0"/>
+          <a:chExt cx="0" cy="0"/>
+        </a:xfrm>
+      </p:grpSpPr>
+      <p:sp>
+        <p:nvSpPr>
+          <p:cNvPr id="2" name="Header Placeholder 1"/>
+          <p:cNvSpPr>
+            <a:spLocks noGrp="1"/>
+          </p:cNvSpPr>
+          <p:nvPr>
+            <p:ph type="hdr" sz="quarter"/>
+          </p:nvPr>
+        </p:nvSpPr>
+        <p:spPr>
+          <a:xfrm>
+            <a:off x="0" y="0"/>
+            <a:ext cx="2971800" cy="458788"/>
+          </a:xfrm>
+          <a:prstGeom prst="rect">
+            <a:avLst/>
+          </a:prstGeom>
+        </p:spPr>
+        <p:txBody>
+          <a:bodyPr vert="horz" lIns="91440" tIns="45720" rIns="91440" bIns="45720" rtlCol="0"/>
+          <a:lstStyle>
+            <a:lvl1pPr algn="l">
+              <a:defRPr sz="1200"/>
+            </a:lvl1pPr>
+          </a:lstStyle>
+          <a:p>
+            <a:endParaRPr lang="en-US"/>
+          </a:p>
+        </p:txBody>
+      </p:sp>
+      <p:sp>
+        <p:nvSpPr>
+          <p:cNvPr id="3" name="Date Placeholder 2"/>
+          <p:cNvSpPr>
+            <a:spLocks noGrp="1"/>
+          </p:cNvSpPr>
+          <p:nvPr>
+            <p:ph type="dt" idx="1"/>
+          </p:nvPr>
+        </p:nvSpPr>
+        <p:spPr>
+          <a:xfrm>
+            <a:off x="3884613" y="0"/>
+            <a:ext cx="2971800" cy="458788"/>
+          </a:xfrm>
+          <a:prstGeom prst="rect">
+            <a:avLst/>
+          </a:prstGeom>
+        </p:spPr>
+        <p:txBody>
+          <a:bodyPr vert="horz" lIns="91440" tIns="45720" rIns="91440" bIns="45720" rtlCol="0"/>
+          <a:lstStyle>
+            <a:lvl1pPr algn="r">
+              <a:defRPr sz="1200"/>
+            </a:lvl1pPr>
+          </a:lstStyle>
+          <a:p>
+            <a:fld id="{75770CB6-E7C7-4CF2-941C-1DDC9CA1CF44}" type="datetimeFigureOut">
+              <a:rPr lang="en-US" smtClean="0"/>
+              <a:t>9/30/2023</a:t>
+            </a:fld>
+            <a:endParaRPr lang="en-US"/>
+          </a:p>
+        </p:txBody>
+      </p:sp>
+      <p:sp>
+        <p:nvSpPr>
+          <p:cNvPr id="4" name="Slide Image Placeholder 3"/>
+          <p:cNvSpPr>
+            <a:spLocks noGrp="1" noRot="1" noChangeAspect="1"/>
+          </p:cNvSpPr>
+          <p:nvPr>
+            <p:ph type="sldImg" idx="2"/>
+          </p:nvPr>
+        </p:nvSpPr>
+        <p:spPr>
+          <a:xfrm>
+            <a:off x="685800" y="1143000"/>
+            <a:ext cx="5486400" cy="3086100"/>
+          </a:xfrm>
+          <a:prstGeom prst="rect">
+            <a:avLst/>
+          </a:prstGeom>
+          <a:noFill/>
+          <a:ln w="12700">
+            <a:solidFill>
+              <a:prstClr val="black"/>
+            </a:solidFill>
+          </a:ln>
+        </p:spPr>
+        <p:txBody>
+          <a:bodyPr vert="horz" lIns="91440" tIns="45720" rIns="91440" bIns="45720" rtlCol="0" anchor="ctr"/>
+          <a:lstStyle/>
+          <a:p>
+            <a:endParaRPr lang="en-US"/>
+          </a:p>
+        </p:txBody>
+      </p:sp>
+      <p:sp>
+        <p:nvSpPr>
+          <p:cNvPr id="5" name="Notes Placeholder 4"/>
+          <p:cNvSpPr>
+            <a:spLocks noGrp="1"/>
+          </p:cNvSpPr>
+          <p:nvPr>
+            <p:ph type="body" sz="quarter" idx="3"/>
+          </p:nvPr>
+        </p:nvSpPr>
+        <p:spPr>
+          <a:xfrm>
+            <a:off x="685800" y="4400550"/>
+            <a:ext cx="5486400" cy="3600450"/>
+          </a:xfrm>
+          <a:prstGeom prst="rect">
+            <a:avLst/>
+          </a:prstGeom>
+        </p:spPr>
+        <p:txBody>
+          <a:bodyPr vert="horz" lIns="91440" tIns="45720" rIns="91440" bIns="45720" rtlCol="0"/>
+          <a:lstStyle/>
+          <a:p>
+            <a:pPr lvl="0"/>
+            <a:r>
+              <a:rPr lang="en-US"/>
+              <a:t>Click to edit Master text styles</a:t>
+            </a:r>
+          </a:p>
+          <a:p>
+            <a:pPr lvl="1"/>
+            <a:r>
+              <a:rPr lang="en-US"/>
+              <a:t>Second level</a:t>
+            </a:r>
+          </a:p>
+          <a:p>
+            <a:pPr lvl="2"/>
+            <a:r>
+              <a:rPr lang="en-US"/>
+              <a:t>Third level</a:t>
+            </a:r>
+          </a:p>
+          <a:p>
+            <a:pPr lvl="3"/>
+            <a:r>
+              <a:rPr lang="en-US"/>
+              <a:t>Fourth level</a:t>
+            </a:r>
+          </a:p>
+          <a:p>
+            <a:pPr lvl="4"/>
+            <a:r>
+              <a:rPr lang="en-US"/>
+              <a:t>Fifth level</a:t>
+            </a:r>
+          </a:p>
+        </p:txBody>
+      </p:sp>
+      <p:sp>
+        <p:nvSpPr>
+          <p:cNvPr id="6" name="Footer Placeholder 5"/>
+          <p:cNvSpPr>
+            <a:spLocks noGrp="1"/>
+          </p:cNvSpPr>
+          <p:nvPr>
+            <p:ph type="ftr" sz="quarter" idx="4"/>
+          </p:nvPr>
+        </p:nvSpPr>
+        <p:spPr>
+          <a:xfrm>
+            <a:off x="0" y="8685213"/>
+            <a:ext cx="2971800" cy="458787"/>
+          </a:xfrm>
+          <a:prstGeom prst="rect">
+            <a:avLst/>
+          </a:prstGeom>
+        </p:spPr>
+        <p:txBody>
+          <a:bodyPr vert="horz" lIns="91440" tIns="45720" rIns="91440" bIns="45720" rtlCol="0" anchor="b"/>
+          <a:lstStyle>
+            <a:lvl1pPr algn="l">
+              <a:defRPr sz="1200"/>
+            </a:lvl1pPr>
+          </a:lstStyle>
+          <a:p>
+            <a:endParaRPr lang="en-US"/>
+          </a:p>
+        </p:txBody>
+      </p:sp>
+      <p:sp>
+        <p:nvSpPr>
+          <p:cNvPr id="7" name="Slide Number Placeholder 6"/>
+          <p:cNvSpPr>
+            <a:spLocks noGrp="1"/>
+          </p:cNvSpPr>
+          <p:nvPr>
+            <p:ph type="sldNum" sz="quarter" idx="5"/>
+          </p:nvPr>
+        </p:nvSpPr>
+        <p:spPr>
+          <a:xfrm>
+            <a:off x="3884613" y="8685213"/>
+            <a:ext cx="2971800" cy="458787"/>
+          </a:xfrm>
+          <a:prstGeom prst="rect">
+            <a:avLst/>
+          </a:prstGeom>
+        </p:spPr>
+        <p:txBody>
+          <a:bodyPr vert="horz" lIns="91440" tIns="45720" rIns="91440" bIns="45720" rtlCol="0" anchor="b"/>
+          <a:lstStyle>
+            <a:lvl1pPr algn="r">
+              <a:defRPr sz="1200"/>
+            </a:lvl1pPr>
+          </a:lstStyle>
+          <a:p>
+            <a:fld id="{F8D9A50F-DFA6-46F0-9CAC-0C3547C35202}" type="slidenum">
+              <a:rPr lang="en-US" smtClean="0"/>
+              <a:t>‹#›</a:t>
+            </a:fld>
+            <a:endParaRPr lang="en-US"/>
+          </a:p>
+        </p:txBody>
+      </p:sp>
+    </p:spTree>
+    <p:extLst>
+      <p:ext uri="{BB962C8B-B14F-4D97-AF65-F5344CB8AC3E}">
+        <p14:creationId xmlns:p14="http://schemas.microsoft.com/office/powerpoint/2010/main" val="961651635"/>
+      </p:ext>
+    </p:extLst>
+  </p:cSld>
+  <p:clrMap bg1="lt1" tx1="dk1" bg2="lt2" tx2="dk2" accent1="accent1" accent2="accent2" accent3="accent3" accent4="accent4" accent5="accent5" accent6="accent6" hlink="hlink" folHlink="folHlink"/>
+  <p:notesStyle>
+    <a:lvl1pPr marL="0" algn="l" defTabSz="914400" rtl="0" eaLnBrk="1" latinLnBrk="0" hangingPunct="1">
+      <a:defRPr sz="1200" kern="1200">
+        <a:solidFill>
+          <a:schemeClr val="tx1"/>
+        </a:solidFill>
+        <a:latin typeface="+mn-lt"/>
+        <a:ea typeface="+mn-ea"/>
+        <a:cs typeface="+mn-cs"/>
+      </a:defRPr>
+    </a:lvl1pPr>
+    <a:lvl2pPr marL="457200" algn="l" defTabSz="914400" rtl="0" eaLnBrk="1" latinLnBrk="0" hangingPunct="1">
+      <a:defRPr sz="1200" kern="1200">
+        <a:solidFill>
+          <a:schemeClr val="tx1"/>
+        </a:solidFill>
+        <a:latin typeface="+mn-lt"/>
+        <a:ea typeface="+mn-ea"/>
+        <a:cs typeface="+mn-cs"/>
+      </a:defRPr>
+    </a:lvl2pPr>
+    <a:lvl3pPr marL="914400" algn="l" defTabSz="914400" rtl="0" eaLnBrk="1" latinLnBrk="0" hangingPunct="1">
+      <a:defRPr sz="1200" kern="1200">
+        <a:solidFill>
+          <a:schemeClr val="tx1"/>
+        </a:solidFill>
+        <a:latin typeface="+mn-lt"/>
+        <a:ea typeface="+mn-ea"/>
+        <a:cs typeface="+mn-cs"/>
+      </a:defRPr>
+    </a:lvl3pPr>
+    <a:lvl4pPr marL="1371600" algn="l" defTabSz="914400" rtl="0" eaLnBrk="1" latinLnBrk="0" hangingPunct="1">
+      <a:defRPr sz="1200" kern="1200">
+        <a:solidFill>
+          <a:schemeClr val="tx1"/>
+        </a:solidFill>
+        <a:latin typeface="+mn-lt"/>
+        <a:ea typeface="+mn-ea"/>
+        <a:cs typeface="+mn-cs"/>
+      </a:defRPr>
+    </a:lvl4pPr>
+    <a:lvl5pPr marL="1828800" algn="l" defTabSz="914400" rtl="0" eaLnBrk="1" latinLnBrk="0" hangingPunct="1">
+      <a:defRPr sz="1200" kern="1200">
+        <a:solidFill>
+          <a:schemeClr val="tx1"/>
+        </a:solidFill>
+        <a:latin typeface="+mn-lt"/>
+        <a:ea typeface="+mn-ea"/>
+        <a:cs typeface="+mn-cs"/>
+      </a:defRPr>
+    </a:lvl5pPr>
+    <a:lvl6pPr marL="2286000" algn="l" defTabSz="914400" rtl="0" eaLnBrk="1" latinLnBrk="0" hangingPunct="1">
+      <a:defRPr sz="1200" kern="1200">
+        <a:solidFill>
+          <a:schemeClr val="tx1"/>
+        </a:solidFill>
+        <a:latin typeface="+mn-lt"/>
+        <a:ea typeface="+mn-ea"/>
+        <a:cs typeface="+mn-cs"/>
+      </a:defRPr>
+    </a:lvl6pPr>
+    <a:lvl7pPr marL="2743200" algn="l" defTabSz="914400" rtl="0" eaLnBrk="1" latinLnBrk="0" hangingPunct="1">
+      <a:defRPr sz="1200" kern="1200">
+        <a:solidFill>
+          <a:schemeClr val="tx1"/>
+        </a:solidFill>
+        <a:latin typeface="+mn-lt"/>
+        <a:ea typeface="+mn-ea"/>
+        <a:cs typeface="+mn-cs"/>
+      </a:defRPr>
+    </a:lvl7pPr>
+    <a:lvl8pPr marL="3200400" algn="l" defTabSz="914400" rtl="0" eaLnBrk="1" latinLnBrk="0" hangingPunct="1">
+      <a:defRPr sz="1200" kern="1200">
+        <a:solidFill>
+          <a:schemeClr val="tx1"/>
+        </a:solidFill>
+        <a:latin typeface="+mn-lt"/>
+        <a:ea typeface="+mn-ea"/>
+        <a:cs typeface="+mn-cs"/>
+      </a:defRPr>
+    </a:lvl8pPr>
+    <a:lvl9pPr marL="3657600" algn="l" defTabSz="914400" rtl="0" eaLnBrk="1" latinLnBrk="0" hangingPunct="1">
+      <a:defRPr sz="1200" kern="1200">
+        <a:solidFill>
+          <a:schemeClr val="tx1"/>
+        </a:solidFill>
+        <a:latin typeface="+mn-lt"/>
+        <a:ea typeface="+mn-ea"/>
+        <a:cs typeface="+mn-cs"/>
+      </a:defRPr>
+    </a:lvl9pPr>
+  </p:notesStyle>
+</p:notesMaster>
+</file>
+
+<file path=ppt/notesSlides/notesSlide1.xml><?xml version="1.0" encoding="utf-8"?>
+<p:notes xmlns:a="http://schemas.openxmlformats.org/drawingml/2006/main" xmlns:r="http://schemas.openxmlformats.org/officeDocument/2006/relationships" xmlns:p="http://schemas.openxmlformats.org/presentationml/2006/main">
+  <p:cSld>
+    <p:spTree>
+      <p:nvGrpSpPr>
+        <p:cNvPr id="1" name=""/>
+        <p:cNvGrpSpPr/>
+        <p:nvPr/>
+      </p:nvGrpSpPr>
+      <p:grpSpPr>
+        <a:xfrm>
+          <a:off x="0" y="0"/>
+          <a:ext cx="0" cy="0"/>
+          <a:chOff x="0" y="0"/>
+          <a:chExt cx="0" cy="0"/>
+        </a:xfrm>
+      </p:grpSpPr>
+      <p:sp>
+        <p:nvSpPr>
+          <p:cNvPr id="2" name="Slide Image Placeholder 1"/>
+          <p:cNvSpPr>
+            <a:spLocks noGrp="1" noRot="1" noChangeAspect="1"/>
+          </p:cNvSpPr>
+          <p:nvPr>
+            <p:ph type="sldImg"/>
+          </p:nvPr>
+        </p:nvSpPr>
+        <p:spPr/>
+      </p:sp>
+      <p:sp>
+        <p:nvSpPr>
+          <p:cNvPr id="3" name="Notes Placeholder 2"/>
+          <p:cNvSpPr>
+            <a:spLocks noGrp="1"/>
+          </p:cNvSpPr>
+          <p:nvPr>
+            <p:ph type="body" idx="1"/>
+          </p:nvPr>
+        </p:nvSpPr>
+        <p:spPr/>
+        <p:txBody>
+          <a:bodyPr/>
+          <a:lstStyle/>
+          <a:p>
+            <a:endParaRPr lang="en-US" dirty="0"/>
+          </a:p>
+        </p:txBody>
+      </p:sp>
+      <p:sp>
+        <p:nvSpPr>
+          <p:cNvPr id="4" name="Slide Number Placeholder 3"/>
+          <p:cNvSpPr>
+            <a:spLocks noGrp="1"/>
+          </p:cNvSpPr>
+          <p:nvPr>
+            <p:ph type="sldNum" sz="quarter" idx="5"/>
+          </p:nvPr>
+        </p:nvSpPr>
+        <p:spPr/>
+        <p:txBody>
+          <a:bodyPr/>
+          <a:lstStyle/>
+          <a:p>
+            <a:fld id="{F8D9A50F-DFA6-46F0-9CAC-0C3547C35202}" type="slidenum">
+              <a:rPr lang="en-US" smtClean="0"/>
+              <a:t>5</a:t>
+            </a:fld>
+            <a:endParaRPr lang="en-US"/>
+          </a:p>
+        </p:txBody>
+      </p:sp>
+    </p:spTree>
+    <p:extLst>
+      <p:ext uri="{BB962C8B-B14F-4D97-AF65-F5344CB8AC3E}">
+        <p14:creationId xmlns:p14="http://schemas.microsoft.com/office/powerpoint/2010/main" val="856844491"/>
+      </p:ext>
+    </p:extLst>
+  </p:cSld>
+  <p:clrMapOvr>
+    <a:masterClrMapping/>
+  </p:clrMapOvr>
+</p:notes>
 </file>
 
 <file path=ppt/slideLayouts/slideLayout1.xml><?xml version="1.0" encoding="utf-8"?>
@@ -3423,7 +3865,7 @@
           <a:p>
             <a:r>
               <a:rPr lang="en-US" dirty="0"/>
-              <a:t>Mathias Preiner</a:t>
+              <a:t>Katalin Fazekas</a:t>
             </a:r>
           </a:p>
         </p:txBody>
@@ -3451,7 +3893,7 @@
           <a:p>
             <a:r>
               <a:rPr lang="en-US" dirty="0"/>
-              <a:t>Stanford</a:t>
+              <a:t>TU Wien</a:t>
             </a:r>
           </a:p>
         </p:txBody>
@@ -3459,7 +3901,7 @@
     </p:spTree>
     <p:extLst>
       <p:ext uri="{BB962C8B-B14F-4D97-AF65-F5344CB8AC3E}">
-        <p14:creationId xmlns:p14="http://schemas.microsoft.com/office/powerpoint/2010/main" val="3617679936"/>
+        <p14:creationId xmlns:p14="http://schemas.microsoft.com/office/powerpoint/2010/main" val="809074596"/>
       </p:ext>
     </p:extLst>
   </p:cSld>
@@ -3509,7 +3951,7 @@
           <a:p>
             <a:r>
               <a:rPr lang="en-US" dirty="0"/>
-              <a:t>Aina Niemetz</a:t>
+              <a:t>Mathias Preiner</a:t>
             </a:r>
           </a:p>
         </p:txBody>
@@ -3545,7 +3987,7 @@
     </p:spTree>
     <p:extLst>
       <p:ext uri="{BB962C8B-B14F-4D97-AF65-F5344CB8AC3E}">
-        <p14:creationId xmlns:p14="http://schemas.microsoft.com/office/powerpoint/2010/main" val="1878098027"/>
+        <p14:creationId xmlns:p14="http://schemas.microsoft.com/office/powerpoint/2010/main" val="3617679936"/>
       </p:ext>
     </p:extLst>
   </p:cSld>
@@ -3595,13 +4037,8 @@
           <a:p>
             <a:r>
               <a:rPr lang="en-US" dirty="0"/>
-              <a:t> Soh </a:t>
-            </a:r>
-            <a:r>
-              <a:rPr lang="en-US" dirty="0" err="1"/>
-              <a:t>Takehide</a:t>
-            </a:r>
-            <a:endParaRPr lang="en-US" dirty="0"/>
+              <a:t>Aina Niemetz</a:t>
+            </a:r>
           </a:p>
         </p:txBody>
       </p:sp>
@@ -3626,14 +4063,17 @@
           <a:bodyPr/>
           <a:lstStyle/>
           <a:p>
-            <a:endParaRPr lang="en-US"/>
+            <a:r>
+              <a:rPr lang="en-US" dirty="0"/>
+              <a:t>Stanford</a:t>
+            </a:r>
           </a:p>
         </p:txBody>
       </p:sp>
     </p:spTree>
     <p:extLst>
       <p:ext uri="{BB962C8B-B14F-4D97-AF65-F5344CB8AC3E}">
-        <p14:creationId xmlns:p14="http://schemas.microsoft.com/office/powerpoint/2010/main" val="923487466"/>
+        <p14:creationId xmlns:p14="http://schemas.microsoft.com/office/powerpoint/2010/main" val="1878098027"/>
       </p:ext>
     </p:extLst>
   </p:cSld>
@@ -3682,16 +4122,12 @@
           <a:lstStyle/>
           <a:p>
             <a:r>
+              <a:rPr lang="en-US" dirty="0"/>
+              <a:t> Soh </a:t>
+            </a:r>
+            <a:r>
               <a:rPr lang="en-US" dirty="0" err="1"/>
-              <a:t>Mutsunori</a:t>
-            </a:r>
-            <a:r>
-              <a:rPr lang="en-US" dirty="0"/>
-              <a:t> </a:t>
-            </a:r>
-            <a:r>
-              <a:rPr lang="en-US" dirty="0" err="1"/>
-              <a:t>Banbara</a:t>
+              <a:t>Takehide</a:t>
             </a:r>
             <a:endParaRPr lang="en-US" dirty="0"/>
           </a:p>
@@ -3725,7 +4161,7 @@
     </p:spTree>
     <p:extLst>
       <p:ext uri="{BB962C8B-B14F-4D97-AF65-F5344CB8AC3E}">
-        <p14:creationId xmlns:p14="http://schemas.microsoft.com/office/powerpoint/2010/main" val="2327203180"/>
+        <p14:creationId xmlns:p14="http://schemas.microsoft.com/office/powerpoint/2010/main" val="923487466"/>
       </p:ext>
     </p:extLst>
   </p:cSld>
@@ -3774,9 +4210,18 @@
           <a:lstStyle/>
           <a:p>
             <a:r>
+              <a:rPr lang="en-US" dirty="0" err="1"/>
+              <a:t>Mutsunori</a:t>
+            </a:r>
+            <a:r>
               <a:rPr lang="en-US" dirty="0"/>
-              <a:t>Kristin Rozier</a:t>
-            </a:r>
+              <a:t> </a:t>
+            </a:r>
+            <a:r>
+              <a:rPr lang="en-US" dirty="0" err="1"/>
+              <a:t>Banbara</a:t>
+            </a:r>
+            <a:endParaRPr lang="en-US" dirty="0"/>
           </a:p>
         </p:txBody>
       </p:sp>
@@ -3808,7 +4253,7 @@
     </p:spTree>
     <p:extLst>
       <p:ext uri="{BB962C8B-B14F-4D97-AF65-F5344CB8AC3E}">
-        <p14:creationId xmlns:p14="http://schemas.microsoft.com/office/powerpoint/2010/main" val="3192470434"/>
+        <p14:creationId xmlns:p14="http://schemas.microsoft.com/office/powerpoint/2010/main" val="2327203180"/>
       </p:ext>
     </p:extLst>
   </p:cSld>
@@ -3858,13 +4303,8 @@
           <a:p>
             <a:r>
               <a:rPr lang="en-US" dirty="0"/>
-              <a:t>Miyuki </a:t>
-            </a:r>
-            <a:r>
-              <a:rPr lang="en-US" dirty="0" err="1"/>
-              <a:t>Koshimura</a:t>
-            </a:r>
-            <a:endParaRPr lang="en-US" dirty="0"/>
+              <a:t>Kristin Rozier</a:t>
+            </a:r>
           </a:p>
         </p:txBody>
       </p:sp>
@@ -3896,7 +4336,7 @@
     </p:spTree>
     <p:extLst>
       <p:ext uri="{BB962C8B-B14F-4D97-AF65-F5344CB8AC3E}">
-        <p14:creationId xmlns:p14="http://schemas.microsoft.com/office/powerpoint/2010/main" val="3641065957"/>
+        <p14:creationId xmlns:p14="http://schemas.microsoft.com/office/powerpoint/2010/main" val="3192470434"/>
       </p:ext>
     </p:extLst>
   </p:cSld>
@@ -3946,8 +4386,13 @@
           <a:p>
             <a:r>
               <a:rPr lang="en-US" dirty="0"/>
-              <a:t>Masahiro Sakai</a:t>
-            </a:r>
+              <a:t>Miyuki </a:t>
+            </a:r>
+            <a:r>
+              <a:rPr lang="en-US" dirty="0" err="1"/>
+              <a:t>Koshimura</a:t>
+            </a:r>
+            <a:endParaRPr lang="en-US" dirty="0"/>
           </a:p>
         </p:txBody>
       </p:sp>
@@ -3979,7 +4424,7 @@
     </p:spTree>
     <p:extLst>
       <p:ext uri="{BB962C8B-B14F-4D97-AF65-F5344CB8AC3E}">
-        <p14:creationId xmlns:p14="http://schemas.microsoft.com/office/powerpoint/2010/main" val="1313428624"/>
+        <p14:creationId xmlns:p14="http://schemas.microsoft.com/office/powerpoint/2010/main" val="3641065957"/>
       </p:ext>
     </p:extLst>
   </p:cSld>
@@ -4029,13 +4474,8 @@
           <a:p>
             <a:r>
               <a:rPr lang="en-US" dirty="0"/>
-              <a:t>Jakob </a:t>
-            </a:r>
-            <a:r>
-              <a:rPr lang="en-US" dirty="0" err="1"/>
-              <a:t>Nordstroem</a:t>
-            </a:r>
-            <a:endParaRPr lang="en-US" dirty="0"/>
+              <a:t>Masahiro Sakai</a:t>
+            </a:r>
           </a:p>
         </p:txBody>
       </p:sp>
@@ -4060,17 +4500,14 @@
           <a:bodyPr/>
           <a:lstStyle/>
           <a:p>
-            <a:r>
-              <a:rPr lang="en-US" dirty="0"/>
-              <a:t>DIKU</a:t>
-            </a:r>
+            <a:endParaRPr lang="en-US"/>
           </a:p>
         </p:txBody>
       </p:sp>
     </p:spTree>
     <p:extLst>
       <p:ext uri="{BB962C8B-B14F-4D97-AF65-F5344CB8AC3E}">
-        <p14:creationId xmlns:p14="http://schemas.microsoft.com/office/powerpoint/2010/main" val="4224808205"/>
+        <p14:creationId xmlns:p14="http://schemas.microsoft.com/office/powerpoint/2010/main" val="1313428624"/>
       </p:ext>
     </p:extLst>
   </p:cSld>
@@ -4120,8 +4557,13 @@
           <a:p>
             <a:r>
               <a:rPr lang="en-US" dirty="0"/>
-              <a:t>Nina Narodytska</a:t>
-            </a:r>
+              <a:t>Jakob </a:t>
+            </a:r>
+            <a:r>
+              <a:rPr lang="en-US" dirty="0" err="1"/>
+              <a:t>Nordstroem</a:t>
+            </a:r>
+            <a:endParaRPr lang="en-US" dirty="0"/>
           </a:p>
         </p:txBody>
       </p:sp>
@@ -4148,7 +4590,7 @@
           <a:p>
             <a:r>
               <a:rPr lang="en-US" dirty="0"/>
-              <a:t>VMWare</a:t>
+              <a:t>DIKU</a:t>
             </a:r>
           </a:p>
         </p:txBody>
@@ -4156,7 +4598,7 @@
     </p:spTree>
     <p:extLst>
       <p:ext uri="{BB962C8B-B14F-4D97-AF65-F5344CB8AC3E}">
-        <p14:creationId xmlns:p14="http://schemas.microsoft.com/office/powerpoint/2010/main" val="1554239579"/>
+        <p14:creationId xmlns:p14="http://schemas.microsoft.com/office/powerpoint/2010/main" val="4224808205"/>
       </p:ext>
     </p:extLst>
   </p:cSld>
@@ -4206,7 +4648,7 @@
           <a:p>
             <a:r>
               <a:rPr lang="en-US" dirty="0"/>
-              <a:t>Roopsha Samanta</a:t>
+              <a:t>Nina Narodytska</a:t>
             </a:r>
           </a:p>
         </p:txBody>
@@ -4232,14 +4674,17 @@
           <a:bodyPr/>
           <a:lstStyle/>
           <a:p>
-            <a:endParaRPr lang="en-US"/>
+            <a:r>
+              <a:rPr lang="en-US" dirty="0"/>
+              <a:t>VMWare</a:t>
+            </a:r>
           </a:p>
         </p:txBody>
       </p:sp>
     </p:spTree>
     <p:extLst>
       <p:ext uri="{BB962C8B-B14F-4D97-AF65-F5344CB8AC3E}">
-        <p14:creationId xmlns:p14="http://schemas.microsoft.com/office/powerpoint/2010/main" val="4220269951"/>
+        <p14:creationId xmlns:p14="http://schemas.microsoft.com/office/powerpoint/2010/main" val="1554239579"/>
       </p:ext>
     </p:extLst>
   </p:cSld>
@@ -4375,7 +4820,7 @@
           <a:p>
             <a:r>
               <a:rPr lang="en-US" dirty="0"/>
-              <a:t>Tachio Terauchi</a:t>
+              <a:t>Roopsha Samanta</a:t>
             </a:r>
           </a:p>
         </p:txBody>
@@ -4401,18 +4846,14 @@
           <a:bodyPr/>
           <a:lstStyle/>
           <a:p>
-            <a:r>
-              <a:rPr lang="en-US" dirty="0" err="1"/>
-              <a:t>Waseda</a:t>
-            </a:r>
-            <a:endParaRPr lang="en-US" dirty="0"/>
+            <a:endParaRPr lang="en-US"/>
           </a:p>
         </p:txBody>
       </p:sp>
     </p:spTree>
     <p:extLst>
       <p:ext uri="{BB962C8B-B14F-4D97-AF65-F5344CB8AC3E}">
-        <p14:creationId xmlns:p14="http://schemas.microsoft.com/office/powerpoint/2010/main" val="4240898420"/>
+        <p14:creationId xmlns:p14="http://schemas.microsoft.com/office/powerpoint/2010/main" val="4220269951"/>
       </p:ext>
     </p:extLst>
   </p:cSld>
@@ -4462,6 +4903,93 @@
           <a:p>
             <a:r>
               <a:rPr lang="en-US" dirty="0"/>
+              <a:t>Tachio Terauchi</a:t>
+            </a:r>
+          </a:p>
+        </p:txBody>
+      </p:sp>
+      <p:sp>
+        <p:nvSpPr>
+          <p:cNvPr id="3" name="Subtitle 2">
+            <a:extLst>
+              <a:ext uri="{FF2B5EF4-FFF2-40B4-BE49-F238E27FC236}">
+                <a16:creationId xmlns:a16="http://schemas.microsoft.com/office/drawing/2014/main" id="{22D8AB87-DDD9-2699-2001-ED99C04C8361}"/>
+              </a:ext>
+            </a:extLst>
+          </p:cNvPr>
+          <p:cNvSpPr>
+            <a:spLocks noGrp="1"/>
+          </p:cNvSpPr>
+          <p:nvPr>
+            <p:ph type="subTitle" idx="1"/>
+          </p:nvPr>
+        </p:nvSpPr>
+        <p:spPr/>
+        <p:txBody>
+          <a:bodyPr/>
+          <a:lstStyle/>
+          <a:p>
+            <a:r>
+              <a:rPr lang="en-US" dirty="0" err="1"/>
+              <a:t>Waseda</a:t>
+            </a:r>
+            <a:endParaRPr lang="en-US" dirty="0"/>
+          </a:p>
+        </p:txBody>
+      </p:sp>
+    </p:spTree>
+    <p:extLst>
+      <p:ext uri="{BB962C8B-B14F-4D97-AF65-F5344CB8AC3E}">
+        <p14:creationId xmlns:p14="http://schemas.microsoft.com/office/powerpoint/2010/main" val="4240898420"/>
+      </p:ext>
+    </p:extLst>
+  </p:cSld>
+  <p:clrMapOvr>
+    <a:masterClrMapping/>
+  </p:clrMapOvr>
+</p:sld>
+</file>
+
+<file path=ppt/slides/slide22.xml><?xml version="1.0" encoding="utf-8"?>
+<p:sld xmlns:a="http://schemas.openxmlformats.org/drawingml/2006/main" xmlns:r="http://schemas.openxmlformats.org/officeDocument/2006/relationships" xmlns:p="http://schemas.openxmlformats.org/presentationml/2006/main">
+  <p:cSld>
+    <p:spTree>
+      <p:nvGrpSpPr>
+        <p:cNvPr id="1" name=""/>
+        <p:cNvGrpSpPr/>
+        <p:nvPr/>
+      </p:nvGrpSpPr>
+      <p:grpSpPr>
+        <a:xfrm>
+          <a:off x="0" y="0"/>
+          <a:ext cx="0" cy="0"/>
+          <a:chOff x="0" y="0"/>
+          <a:chExt cx="0" cy="0"/>
+        </a:xfrm>
+      </p:grpSpPr>
+      <p:sp>
+        <p:nvSpPr>
+          <p:cNvPr id="2" name="Title 1">
+            <a:extLst>
+              <a:ext uri="{FF2B5EF4-FFF2-40B4-BE49-F238E27FC236}">
+                <a16:creationId xmlns:a16="http://schemas.microsoft.com/office/drawing/2014/main" id="{62FCF270-97E0-0B38-E75D-D8D2D7F9A486}"/>
+              </a:ext>
+            </a:extLst>
+          </p:cNvPr>
+          <p:cNvSpPr>
+            <a:spLocks noGrp="1"/>
+          </p:cNvSpPr>
+          <p:nvPr>
+            <p:ph type="ctrTitle"/>
+          </p:nvPr>
+        </p:nvSpPr>
+        <p:spPr/>
+        <p:txBody>
+          <a:bodyPr/>
+          <a:lstStyle/>
+          <a:p>
+            <a:r>
+              <a:rPr lang="en-US" dirty="0"/>
               <a:t>Marijn Heule</a:t>
             </a:r>
           </a:p>
@@ -4508,7 +5036,7 @@
 </p:sld>
 </file>
 
-<file path=ppt/slides/slide22.xml><?xml version="1.0" encoding="utf-8"?>
+<file path=ppt/slides/slide23.xml><?xml version="1.0" encoding="utf-8"?>
 <p:sld xmlns:a="http://schemas.openxmlformats.org/drawingml/2006/main" xmlns:r="http://schemas.openxmlformats.org/officeDocument/2006/relationships" xmlns:p="http://schemas.openxmlformats.org/presentationml/2006/main">
   <p:cSld>
     <p:spTree>
@@ -4996,63 +5524,40 @@
           <a:chExt cx="0" cy="0"/>
         </a:xfrm>
       </p:grpSpPr>
-      <p:sp>
-        <p:nvSpPr>
-          <p:cNvPr id="2" name="Title 1">
-            <a:extLst>
-              <a:ext uri="{FF2B5EF4-FFF2-40B4-BE49-F238E27FC236}">
-                <a16:creationId xmlns:a16="http://schemas.microsoft.com/office/drawing/2014/main" id="{5866747D-BFD2-F9E5-1C75-61260DD21C81}"/>
-              </a:ext>
-            </a:extLst>
-          </p:cNvPr>
-          <p:cNvSpPr>
-            <a:spLocks noGrp="1"/>
-          </p:cNvSpPr>
-          <p:nvPr>
-            <p:ph type="ctrTitle"/>
-          </p:nvPr>
-        </p:nvSpPr>
-        <p:spPr/>
-        <p:txBody>
-          <a:bodyPr/>
-          <a:lstStyle/>
-          <a:p>
-            <a:r>
-              <a:rPr lang="en-US" dirty="0"/>
-              <a:t>Jie-Hong Roland</a:t>
-            </a:r>
-          </a:p>
-        </p:txBody>
-      </p:sp>
-      <p:sp>
-        <p:nvSpPr>
-          <p:cNvPr id="3" name="Subtitle 2">
-            <a:extLst>
-              <a:ext uri="{FF2B5EF4-FFF2-40B4-BE49-F238E27FC236}">
-                <a16:creationId xmlns:a16="http://schemas.microsoft.com/office/drawing/2014/main" id="{995D9FE9-A0B1-F471-083D-0ADA33437B82}"/>
-              </a:ext>
-            </a:extLst>
-          </p:cNvPr>
-          <p:cNvSpPr>
-            <a:spLocks noGrp="1"/>
-          </p:cNvSpPr>
-          <p:nvPr>
-            <p:ph type="subTitle" idx="1"/>
-          </p:nvPr>
-        </p:nvSpPr>
-        <p:spPr/>
-        <p:txBody>
-          <a:bodyPr/>
-          <a:lstStyle/>
-          <a:p>
-            <a:endParaRPr lang="en-US"/>
-          </a:p>
-        </p:txBody>
-      </p:sp>
+      <p:pic>
+        <p:nvPicPr>
+          <p:cNvPr id="3" name="Picture 2">
+            <a:extLst>
+              <a:ext uri="{FF2B5EF4-FFF2-40B4-BE49-F238E27FC236}">
+                <a16:creationId xmlns:a16="http://schemas.microsoft.com/office/drawing/2014/main" id="{ADA9BE1B-2E35-D9A5-2B8A-1FBF38EE7F24}"/>
+              </a:ext>
+            </a:extLst>
+          </p:cNvPr>
+          <p:cNvPicPr>
+            <a:picLocks noChangeAspect="1"/>
+          </p:cNvPicPr>
+          <p:nvPr/>
+        </p:nvPicPr>
+        <p:blipFill>
+          <a:blip r:embed="rId3"/>
+          <a:stretch>
+            <a:fillRect/>
+          </a:stretch>
+        </p:blipFill>
+        <p:spPr>
+          <a:xfrm>
+            <a:off x="0" y="190124"/>
+            <a:ext cx="12111386" cy="6764806"/>
+          </a:xfrm>
+          <a:prstGeom prst="rect">
+            <a:avLst/>
+          </a:prstGeom>
+        </p:spPr>
+      </p:pic>
     </p:spTree>
     <p:extLst>
       <p:ext uri="{BB962C8B-B14F-4D97-AF65-F5344CB8AC3E}">
-        <p14:creationId xmlns:p14="http://schemas.microsoft.com/office/powerpoint/2010/main" val="3123359711"/>
+        <p14:creationId xmlns:p14="http://schemas.microsoft.com/office/powerpoint/2010/main" val="3726574810"/>
       </p:ext>
     </p:extLst>
   </p:cSld>
@@ -5084,7 +5589,7 @@
           <p:cNvPr id="2" name="Title 1">
             <a:extLst>
               <a:ext uri="{FF2B5EF4-FFF2-40B4-BE49-F238E27FC236}">
-                <a16:creationId xmlns:a16="http://schemas.microsoft.com/office/drawing/2014/main" id="{62FCF270-97E0-0B38-E75D-D8D2D7F9A486}"/>
+                <a16:creationId xmlns:a16="http://schemas.microsoft.com/office/drawing/2014/main" id="{5866747D-BFD2-F9E5-1C75-61260DD21C81}"/>
               </a:ext>
             </a:extLst>
           </p:cNvPr>
@@ -5102,13 +5607,8 @@
           <a:p>
             <a:r>
               <a:rPr lang="en-US" dirty="0"/>
-              <a:t>Hiroshi </a:t>
-            </a:r>
-            <a:r>
-              <a:rPr lang="en-US" dirty="0" err="1"/>
-              <a:t>Unno</a:t>
-            </a:r>
-            <a:endParaRPr lang="en-US" dirty="0"/>
+              <a:t>Jie-Hong Roland</a:t>
+            </a:r>
           </a:p>
         </p:txBody>
       </p:sp>
@@ -5117,7 +5617,7 @@
           <p:cNvPr id="3" name="Subtitle 2">
             <a:extLst>
               <a:ext uri="{FF2B5EF4-FFF2-40B4-BE49-F238E27FC236}">
-                <a16:creationId xmlns:a16="http://schemas.microsoft.com/office/drawing/2014/main" id="{22D8AB87-DDD9-2699-2001-ED99C04C8361}"/>
+                <a16:creationId xmlns:a16="http://schemas.microsoft.com/office/drawing/2014/main" id="{995D9FE9-A0B1-F471-083D-0ADA33437B82}"/>
               </a:ext>
             </a:extLst>
           </p:cNvPr>
@@ -5140,7 +5640,7 @@
     </p:spTree>
     <p:extLst>
       <p:ext uri="{BB962C8B-B14F-4D97-AF65-F5344CB8AC3E}">
-        <p14:creationId xmlns:p14="http://schemas.microsoft.com/office/powerpoint/2010/main" val="1605513684"/>
+        <p14:creationId xmlns:p14="http://schemas.microsoft.com/office/powerpoint/2010/main" val="3123359711"/>
       </p:ext>
     </p:extLst>
   </p:cSld>
@@ -5189,12 +5689,12 @@
           <a:lstStyle/>
           <a:p>
             <a:r>
-              <a:rPr lang="en-US"/>
-              <a:t>Stefan </a:t>
+              <a:rPr lang="en-US" dirty="0"/>
+              <a:t>Hiroshi </a:t>
             </a:r>
             <a:r>
               <a:rPr lang="en-US" dirty="0" err="1"/>
-              <a:t>Szeider</a:t>
+              <a:t>Unno</a:t>
             </a:r>
             <a:endParaRPr lang="en-US" dirty="0"/>
           </a:p>
@@ -5221,17 +5721,14 @@
           <a:bodyPr/>
           <a:lstStyle/>
           <a:p>
-            <a:r>
-              <a:rPr lang="en-US" dirty="0"/>
-              <a:t>TU Wien</a:t>
-            </a:r>
+            <a:endParaRPr lang="en-US"/>
           </a:p>
         </p:txBody>
       </p:sp>
     </p:spTree>
     <p:extLst>
       <p:ext uri="{BB962C8B-B14F-4D97-AF65-F5344CB8AC3E}">
-        <p14:creationId xmlns:p14="http://schemas.microsoft.com/office/powerpoint/2010/main" val="1972394884"/>
+        <p14:creationId xmlns:p14="http://schemas.microsoft.com/office/powerpoint/2010/main" val="1605513684"/>
       </p:ext>
     </p:extLst>
   </p:cSld>
@@ -5280,41 +5777,49 @@
           <a:lstStyle/>
           <a:p>
             <a:r>
+              <a:rPr lang="en-US"/>
+              <a:t>Stefan </a:t>
+            </a:r>
+            <a:r>
+              <a:rPr lang="en-US" dirty="0" err="1"/>
+              <a:t>Szeider</a:t>
+            </a:r>
+            <a:endParaRPr lang="en-US" dirty="0"/>
+          </a:p>
+        </p:txBody>
+      </p:sp>
+      <p:sp>
+        <p:nvSpPr>
+          <p:cNvPr id="3" name="Subtitle 2">
+            <a:extLst>
+              <a:ext uri="{FF2B5EF4-FFF2-40B4-BE49-F238E27FC236}">
+                <a16:creationId xmlns:a16="http://schemas.microsoft.com/office/drawing/2014/main" id="{22D8AB87-DDD9-2699-2001-ED99C04C8361}"/>
+              </a:ext>
+            </a:extLst>
+          </p:cNvPr>
+          <p:cNvSpPr>
+            <a:spLocks noGrp="1"/>
+          </p:cNvSpPr>
+          <p:nvPr>
+            <p:ph type="subTitle" idx="1"/>
+          </p:nvPr>
+        </p:nvSpPr>
+        <p:spPr/>
+        <p:txBody>
+          <a:bodyPr/>
+          <a:lstStyle/>
+          <a:p>
+            <a:r>
               <a:rPr lang="en-US" dirty="0"/>
-              <a:t>Akihisa Yamada</a:t>
-            </a:r>
-          </a:p>
-        </p:txBody>
-      </p:sp>
-      <p:sp>
-        <p:nvSpPr>
-          <p:cNvPr id="3" name="Subtitle 2">
-            <a:extLst>
-              <a:ext uri="{FF2B5EF4-FFF2-40B4-BE49-F238E27FC236}">
-                <a16:creationId xmlns:a16="http://schemas.microsoft.com/office/drawing/2014/main" id="{22D8AB87-DDD9-2699-2001-ED99C04C8361}"/>
-              </a:ext>
-            </a:extLst>
-          </p:cNvPr>
-          <p:cNvSpPr>
-            <a:spLocks noGrp="1"/>
-          </p:cNvSpPr>
-          <p:nvPr>
-            <p:ph type="subTitle" idx="1"/>
-          </p:nvPr>
-        </p:nvSpPr>
-        <p:spPr/>
-        <p:txBody>
-          <a:bodyPr/>
-          <a:lstStyle/>
-          <a:p>
-            <a:endParaRPr lang="en-US"/>
+              <a:t>TU Wien</a:t>
+            </a:r>
           </a:p>
         </p:txBody>
       </p:sp>
     </p:spTree>
     <p:extLst>
       <p:ext uri="{BB962C8B-B14F-4D97-AF65-F5344CB8AC3E}">
-        <p14:creationId xmlns:p14="http://schemas.microsoft.com/office/powerpoint/2010/main" val="1805864099"/>
+        <p14:creationId xmlns:p14="http://schemas.microsoft.com/office/powerpoint/2010/main" val="1972394884"/>
       </p:ext>
     </p:extLst>
   </p:cSld>
@@ -5364,7 +5869,7 @@
           <a:p>
             <a:r>
               <a:rPr lang="en-US" dirty="0"/>
-              <a:t>Katalin Fazekas</a:t>
+              <a:t>Akihisa Yamada</a:t>
             </a:r>
           </a:p>
         </p:txBody>
@@ -5390,17 +5895,14 @@
           <a:bodyPr/>
           <a:lstStyle/>
           <a:p>
-            <a:r>
-              <a:rPr lang="en-US" dirty="0"/>
-              <a:t>TU Wien</a:t>
-            </a:r>
+            <a:endParaRPr lang="en-US"/>
           </a:p>
         </p:txBody>
       </p:sp>
     </p:spTree>
     <p:extLst>
       <p:ext uri="{BB962C8B-B14F-4D97-AF65-F5344CB8AC3E}">
-        <p14:creationId xmlns:p14="http://schemas.microsoft.com/office/powerpoint/2010/main" val="809074596"/>
+        <p14:creationId xmlns:p14="http://schemas.microsoft.com/office/powerpoint/2010/main" val="1805864099"/>
       </p:ext>
     </p:extLst>
   </p:cSld>
@@ -5725,6 +6227,321 @@
 </a:theme>
 </file>
 
+<file path=ppt/theme/theme2.xml><?xml version="1.0" encoding="utf-8"?>
+<a:theme xmlns:a="http://schemas.openxmlformats.org/drawingml/2006/main" name="Office Theme">
+  <a:themeElements>
+    <a:clrScheme name="Office">
+      <a:dk1>
+        <a:sysClr val="windowText" lastClr="000000"/>
+      </a:dk1>
+      <a:lt1>
+        <a:sysClr val="window" lastClr="FFFFFF"/>
+      </a:lt1>
+      <a:dk2>
+        <a:srgbClr val="0E2841"/>
+      </a:dk2>
+      <a:lt2>
+        <a:srgbClr val="E8E8E8"/>
+      </a:lt2>
+      <a:accent1>
+        <a:srgbClr val="156082"/>
+      </a:accent1>
+      <a:accent2>
+        <a:srgbClr val="E97132"/>
+      </a:accent2>
+      <a:accent3>
+        <a:srgbClr val="196B24"/>
+      </a:accent3>
+      <a:accent4>
+        <a:srgbClr val="0F9ED5"/>
+      </a:accent4>
+      <a:accent5>
+        <a:srgbClr val="A02B93"/>
+      </a:accent5>
+      <a:accent6>
+        <a:srgbClr val="4EA72E"/>
+      </a:accent6>
+      <a:hlink>
+        <a:srgbClr val="467886"/>
+      </a:hlink>
+      <a:folHlink>
+        <a:srgbClr val="96607D"/>
+      </a:folHlink>
+    </a:clrScheme>
+    <a:fontScheme name="Office">
+      <a:majorFont>
+        <a:latin typeface="Aptos Display" panose="02110004020202020204"/>
+        <a:ea typeface=""/>
+        <a:cs typeface=""/>
+        <a:font script="Jpan" typeface="游ゴシック Light"/>
+        <a:font script="Hang" typeface="맑은 고딕"/>
+        <a:font script="Hans" typeface="等线 Light"/>
+        <a:font script="Hant" typeface="新細明體"/>
+        <a:font script="Arab" typeface="Times New Roman"/>
+        <a:font script="Hebr" typeface="Times New Roman"/>
+        <a:font script="Thai" typeface="Angsana New"/>
+        <a:font script="Ethi" typeface="Nyala"/>
+        <a:font script="Beng" typeface="Vrinda"/>
+        <a:font script="Gujr" typeface="Shruti"/>
+        <a:font script="Khmr" typeface="MoolBoran"/>
+        <a:font script="Knda" typeface="Tunga"/>
+        <a:font script="Guru" typeface="Raavi"/>
+        <a:font script="Cans" typeface="Euphemia"/>
+        <a:font script="Cher" typeface="Plantagenet Cherokee"/>
+        <a:font script="Yiii" typeface="Microsoft Yi Baiti"/>
+        <a:font script="Tibt" typeface="Microsoft Himalaya"/>
+        <a:font script="Thaa" typeface="MV Boli"/>
+        <a:font script="Deva" typeface="Mangal"/>
+        <a:font script="Telu" typeface="Gautami"/>
+        <a:font script="Taml" typeface="Latha"/>
+        <a:font script="Syrc" typeface="Estrangelo Edessa"/>
+        <a:font script="Orya" typeface="Kalinga"/>
+        <a:font script="Mlym" typeface="Kartika"/>
+        <a:font script="Laoo" typeface="DokChampa"/>
+        <a:font script="Sinh" typeface="Iskoola Pota"/>
+        <a:font script="Mong" typeface="Mongolian Baiti"/>
+        <a:font script="Viet" typeface="Times New Roman"/>
+        <a:font script="Uigh" typeface="Microsoft Uighur"/>
+        <a:font script="Geor" typeface="Sylfaen"/>
+        <a:font script="Armn" typeface="Arial"/>
+        <a:font script="Bugi" typeface="Leelawadee UI"/>
+        <a:font script="Bopo" typeface="Microsoft JhengHei"/>
+        <a:font script="Java" typeface="Javanese Text"/>
+        <a:font script="Lisu" typeface="Segoe UI"/>
+        <a:font script="Mymr" typeface="Myanmar Text"/>
+        <a:font script="Nkoo" typeface="Ebrima"/>
+        <a:font script="Olck" typeface="Nirmala UI"/>
+        <a:font script="Osma" typeface="Ebrima"/>
+        <a:font script="Phag" typeface="Phagspa"/>
+        <a:font script="Syrn" typeface="Estrangelo Edessa"/>
+        <a:font script="Syrj" typeface="Estrangelo Edessa"/>
+        <a:font script="Syre" typeface="Estrangelo Edessa"/>
+        <a:font script="Sora" typeface="Nirmala UI"/>
+        <a:font script="Tale" typeface="Microsoft Tai Le"/>
+        <a:font script="Talu" typeface="Microsoft New Tai Lue"/>
+        <a:font script="Tfng" typeface="Ebrima"/>
+      </a:majorFont>
+      <a:minorFont>
+        <a:latin typeface="Aptos" panose="02110004020202020204"/>
+        <a:ea typeface=""/>
+        <a:cs typeface=""/>
+        <a:font script="Jpan" typeface="游ゴシック"/>
+        <a:font script="Hang" typeface="맑은 고딕"/>
+        <a:font script="Hans" typeface="等线"/>
+        <a:font script="Hant" typeface="新細明體"/>
+        <a:font script="Arab" typeface="Arial"/>
+        <a:font script="Hebr" typeface="Arial"/>
+        <a:font script="Thai" typeface="Cordia New"/>
+        <a:font script="Ethi" typeface="Nyala"/>
+        <a:font script="Beng" typeface="Vrinda"/>
+        <a:font script="Gujr" typeface="Shruti"/>
+        <a:font script="Khmr" typeface="DaunPenh"/>
+        <a:font script="Knda" typeface="Tunga"/>
+        <a:font script="Guru" typeface="Raavi"/>
+        <a:font script="Cans" typeface="Euphemia"/>
+        <a:font script="Cher" typeface="Plantagenet Cherokee"/>
+        <a:font script="Yiii" typeface="Microsoft Yi Baiti"/>
+        <a:font script="Tibt" typeface="Microsoft Himalaya"/>
+        <a:font script="Thaa" typeface="MV Boli"/>
+        <a:font script="Deva" typeface="Mangal"/>
+        <a:font script="Telu" typeface="Gautami"/>
+        <a:font script="Taml" typeface="Latha"/>
+        <a:font script="Syrc" typeface="Estrangelo Edessa"/>
+        <a:font script="Orya" typeface="Kalinga"/>
+        <a:font script="Mlym" typeface="Kartika"/>
+        <a:font script="Laoo" typeface="DokChampa"/>
+        <a:font script="Sinh" typeface="Iskoola Pota"/>
+        <a:font script="Mong" typeface="Mongolian Baiti"/>
+        <a:font script="Viet" typeface="Arial"/>
+        <a:font script="Uigh" typeface="Microsoft Uighur"/>
+        <a:font script="Geor" typeface="Sylfaen"/>
+        <a:font script="Armn" typeface="Arial"/>
+        <a:font script="Bugi" typeface="Leelawadee UI"/>
+        <a:font script="Bopo" typeface="Microsoft JhengHei"/>
+        <a:font script="Java" typeface="Javanese Text"/>
+        <a:font script="Lisu" typeface="Segoe UI"/>
+        <a:font script="Mymr" typeface="Myanmar Text"/>
+        <a:font script="Nkoo" typeface="Ebrima"/>
+        <a:font script="Olck" typeface="Nirmala UI"/>
+        <a:font script="Osma" typeface="Ebrima"/>
+        <a:font script="Phag" typeface="Phagspa"/>
+        <a:font script="Syrn" typeface="Estrangelo Edessa"/>
+        <a:font script="Syrj" typeface="Estrangelo Edessa"/>
+        <a:font script="Syre" typeface="Estrangelo Edessa"/>
+        <a:font script="Sora" typeface="Nirmala UI"/>
+        <a:font script="Tale" typeface="Microsoft Tai Le"/>
+        <a:font script="Talu" typeface="Microsoft New Tai Lue"/>
+        <a:font script="Tfng" typeface="Ebrima"/>
+      </a:minorFont>
+    </a:fontScheme>
+    <a:fmtScheme name="Office">
+      <a:fillStyleLst>
+        <a:solidFill>
+          <a:schemeClr val="phClr"/>
+        </a:solidFill>
+        <a:gradFill rotWithShape="1">
+          <a:gsLst>
+            <a:gs pos="0">
+              <a:schemeClr val="phClr">
+                <a:lumMod val="110000"/>
+                <a:satMod val="105000"/>
+                <a:tint val="67000"/>
+              </a:schemeClr>
+            </a:gs>
+            <a:gs pos="50000">
+              <a:schemeClr val="phClr">
+                <a:lumMod val="105000"/>
+                <a:satMod val="103000"/>
+                <a:tint val="73000"/>
+              </a:schemeClr>
+            </a:gs>
+            <a:gs pos="100000">
+              <a:schemeClr val="phClr">
+                <a:lumMod val="105000"/>
+                <a:satMod val="109000"/>
+                <a:tint val="81000"/>
+              </a:schemeClr>
+            </a:gs>
+          </a:gsLst>
+          <a:lin ang="5400000" scaled="0"/>
+        </a:gradFill>
+        <a:gradFill rotWithShape="1">
+          <a:gsLst>
+            <a:gs pos="0">
+              <a:schemeClr val="phClr">
+                <a:satMod val="103000"/>
+                <a:lumMod val="102000"/>
+                <a:tint val="94000"/>
+              </a:schemeClr>
+            </a:gs>
+            <a:gs pos="50000">
+              <a:schemeClr val="phClr">
+                <a:satMod val="110000"/>
+                <a:lumMod val="100000"/>
+                <a:shade val="100000"/>
+              </a:schemeClr>
+            </a:gs>
+            <a:gs pos="100000">
+              <a:schemeClr val="phClr">
+                <a:lumMod val="99000"/>
+                <a:satMod val="120000"/>
+                <a:shade val="78000"/>
+              </a:schemeClr>
+            </a:gs>
+          </a:gsLst>
+          <a:lin ang="5400000" scaled="0"/>
+        </a:gradFill>
+      </a:fillStyleLst>
+      <a:lnStyleLst>
+        <a:ln w="12700" cap="flat" cmpd="sng" algn="ctr">
+          <a:solidFill>
+            <a:schemeClr val="phClr"/>
+          </a:solidFill>
+          <a:prstDash val="solid"/>
+          <a:miter lim="800000"/>
+        </a:ln>
+        <a:ln w="19050" cap="flat" cmpd="sng" algn="ctr">
+          <a:solidFill>
+            <a:schemeClr val="phClr"/>
+          </a:solidFill>
+          <a:prstDash val="solid"/>
+          <a:miter lim="800000"/>
+        </a:ln>
+        <a:ln w="25400" cap="flat" cmpd="sng" algn="ctr">
+          <a:solidFill>
+            <a:schemeClr val="phClr"/>
+          </a:solidFill>
+          <a:prstDash val="solid"/>
+          <a:miter lim="800000"/>
+        </a:ln>
+      </a:lnStyleLst>
+      <a:effectStyleLst>
+        <a:effectStyle>
+          <a:effectLst/>
+        </a:effectStyle>
+        <a:effectStyle>
+          <a:effectLst/>
+        </a:effectStyle>
+        <a:effectStyle>
+          <a:effectLst>
+            <a:outerShdw blurRad="57150" dist="19050" dir="5400000" algn="ctr" rotWithShape="0">
+              <a:srgbClr val="000000">
+                <a:alpha val="63000"/>
+              </a:srgbClr>
+            </a:outerShdw>
+          </a:effectLst>
+        </a:effectStyle>
+      </a:effectStyleLst>
+      <a:bgFillStyleLst>
+        <a:solidFill>
+          <a:schemeClr val="phClr"/>
+        </a:solidFill>
+        <a:solidFill>
+          <a:schemeClr val="phClr">
+            <a:tint val="95000"/>
+            <a:satMod val="170000"/>
+          </a:schemeClr>
+        </a:solidFill>
+        <a:gradFill rotWithShape="1">
+          <a:gsLst>
+            <a:gs pos="0">
+              <a:schemeClr val="phClr">
+                <a:tint val="93000"/>
+                <a:satMod val="150000"/>
+                <a:shade val="98000"/>
+                <a:lumMod val="102000"/>
+              </a:schemeClr>
+            </a:gs>
+            <a:gs pos="50000">
+              <a:schemeClr val="phClr">
+                <a:tint val="98000"/>
+                <a:satMod val="130000"/>
+                <a:shade val="90000"/>
+                <a:lumMod val="103000"/>
+              </a:schemeClr>
+            </a:gs>
+            <a:gs pos="100000">
+              <a:schemeClr val="phClr">
+                <a:shade val="63000"/>
+                <a:satMod val="120000"/>
+              </a:schemeClr>
+            </a:gs>
+          </a:gsLst>
+          <a:lin ang="5400000" scaled="0"/>
+        </a:gradFill>
+      </a:bgFillStyleLst>
+    </a:fmtScheme>
+  </a:themeElements>
+  <a:objectDefaults>
+    <a:lnDef>
+      <a:spPr/>
+      <a:bodyPr/>
+      <a:lstStyle/>
+      <a:style>
+        <a:lnRef idx="2">
+          <a:schemeClr val="accent1"/>
+        </a:lnRef>
+        <a:fillRef idx="0">
+          <a:schemeClr val="accent1"/>
+        </a:fillRef>
+        <a:effectRef idx="1">
+          <a:schemeClr val="accent1"/>
+        </a:effectRef>
+        <a:fontRef idx="minor">
+          <a:schemeClr val="tx1"/>
+        </a:fontRef>
+      </a:style>
+    </a:lnDef>
+  </a:objectDefaults>
+  <a:extraClrSchemeLst/>
+  <a:extLst>
+    <a:ext uri="{05A4C25C-085E-4340-85A3-A5531E510DB2}">
+      <thm15:themeFamily xmlns:thm15="http://schemas.microsoft.com/office/thememl/2012/main" name="Office Theme" id="{2E142A2C-CD16-42D6-873A-C26D2A0506FA}" vid="{1BDDFF52-6CD6-40A5-AB3C-68EB2F1E4D0A}"/>
+    </a:ext>
+  </a:extLst>
+</a:theme>
+</file>
+
 <file path=docMetadata/LabelInfo.xml><?xml version="1.0" encoding="utf-8"?>
 <clbl:labelList xmlns:clbl="http://schemas.microsoft.com/office/2020/mipLabelMetadata">
   <clbl:label id="{f42aa342-8706-4288-bd11-ebb85995028c}" enabled="1" method="Standard" siteId="{72f988bf-86f1-41af-91ab-2d7cd011db47}" contentBits="0" removed="0"/>

--- a/Introductions.pptx
+++ b/Introductions.pptx
@@ -5,7 +5,7 @@
     <p:sldMasterId id="2147483648" r:id="rId1"/>
   </p:sldMasterIdLst>
   <p:notesMasterIdLst>
-    <p:notesMasterId r:id="rId25"/>
+    <p:notesMasterId r:id="rId27"/>
   </p:notesMasterIdLst>
   <p:sldIdLst>
     <p:sldId id="256" r:id="rId2"/>
@@ -28,9 +28,11 @@
     <p:sldId id="273" r:id="rId19"/>
     <p:sldId id="274" r:id="rId20"/>
     <p:sldId id="276" r:id="rId21"/>
-    <p:sldId id="277" r:id="rId22"/>
-    <p:sldId id="278" r:id="rId23"/>
-    <p:sldId id="275" r:id="rId24"/>
+    <p:sldId id="281" r:id="rId22"/>
+    <p:sldId id="283" r:id="rId23"/>
+    <p:sldId id="277" r:id="rId24"/>
+    <p:sldId id="278" r:id="rId25"/>
+    <p:sldId id="275" r:id="rId26"/>
   </p:sldIdLst>
   <p:sldSz cx="12192000" cy="6858000"/>
   <p:notesSz cx="6858000" cy="9144000"/>
@@ -4500,7 +4502,10 @@
           <a:bodyPr/>
           <a:lstStyle/>
           <a:p>
-            <a:endParaRPr lang="en-US"/>
+            <a:r>
+              <a:rPr lang="en-US" dirty="0"/>
+              <a:t>Nagoya University</a:t>
+            </a:r>
           </a:p>
         </p:txBody>
       </p:sp>
@@ -4846,7 +4851,7 @@
           <a:bodyPr/>
           <a:lstStyle/>
           <a:p>
-            <a:endParaRPr lang="en-US"/>
+            <a:endParaRPr lang="en-US" dirty="0"/>
           </a:p>
         </p:txBody>
       </p:sp>
@@ -4885,7 +4890,7 @@
           <p:cNvPr id="2" name="Title 1">
             <a:extLst>
               <a:ext uri="{FF2B5EF4-FFF2-40B4-BE49-F238E27FC236}">
-                <a16:creationId xmlns:a16="http://schemas.microsoft.com/office/drawing/2014/main" id="{62FCF270-97E0-0B38-E75D-D8D2D7F9A486}"/>
+                <a16:creationId xmlns:a16="http://schemas.microsoft.com/office/drawing/2014/main" id="{1087D684-50D8-E478-C8CE-A3722D3826F7}"/>
               </a:ext>
             </a:extLst>
           </p:cNvPr>
@@ -4903,7 +4908,7 @@
           <a:p>
             <a:r>
               <a:rPr lang="en-US" dirty="0"/>
-              <a:t>Tachio Terauchi</a:t>
+              <a:t>Katsumi Inoue</a:t>
             </a:r>
           </a:p>
         </p:txBody>
@@ -4913,7 +4918,7 @@
           <p:cNvPr id="3" name="Subtitle 2">
             <a:extLst>
               <a:ext uri="{FF2B5EF4-FFF2-40B4-BE49-F238E27FC236}">
-                <a16:creationId xmlns:a16="http://schemas.microsoft.com/office/drawing/2014/main" id="{22D8AB87-DDD9-2699-2001-ED99C04C8361}"/>
+                <a16:creationId xmlns:a16="http://schemas.microsoft.com/office/drawing/2014/main" id="{69B5E52A-03E7-9C9C-2A31-91B6A1C4F221}"/>
               </a:ext>
             </a:extLst>
           </p:cNvPr>
@@ -4930,17 +4935,16 @@
           <a:lstStyle/>
           <a:p>
             <a:r>
-              <a:rPr lang="en-US" dirty="0" err="1"/>
-              <a:t>Waseda</a:t>
-            </a:r>
-            <a:endParaRPr lang="en-US" dirty="0"/>
+              <a:rPr lang="en-US" dirty="0"/>
+              <a:t>NII</a:t>
+            </a:r>
           </a:p>
         </p:txBody>
       </p:sp>
     </p:spTree>
     <p:extLst>
       <p:ext uri="{BB962C8B-B14F-4D97-AF65-F5344CB8AC3E}">
-        <p14:creationId xmlns:p14="http://schemas.microsoft.com/office/powerpoint/2010/main" val="4240898420"/>
+        <p14:creationId xmlns:p14="http://schemas.microsoft.com/office/powerpoint/2010/main" val="742375673"/>
       </p:ext>
     </p:extLst>
   </p:cSld>
@@ -4972,6 +4976,176 @@
           <p:cNvPr id="2" name="Title 1">
             <a:extLst>
               <a:ext uri="{FF2B5EF4-FFF2-40B4-BE49-F238E27FC236}">
+                <a16:creationId xmlns:a16="http://schemas.microsoft.com/office/drawing/2014/main" id="{06AD2FA3-AD6B-0CE7-D5E5-0CB7D8BBFFF8}"/>
+              </a:ext>
+            </a:extLst>
+          </p:cNvPr>
+          <p:cNvSpPr>
+            <a:spLocks noGrp="1"/>
+          </p:cNvSpPr>
+          <p:nvPr>
+            <p:ph type="ctrTitle"/>
+          </p:nvPr>
+        </p:nvSpPr>
+        <p:spPr/>
+        <p:txBody>
+          <a:bodyPr/>
+          <a:lstStyle/>
+          <a:p>
+            <a:r>
+              <a:rPr lang="en-US" dirty="0"/>
+              <a:t>Shin-Ichi Minato</a:t>
+            </a:r>
+          </a:p>
+        </p:txBody>
+      </p:sp>
+      <p:sp>
+        <p:nvSpPr>
+          <p:cNvPr id="3" name="Subtitle 2">
+            <a:extLst>
+              <a:ext uri="{FF2B5EF4-FFF2-40B4-BE49-F238E27FC236}">
+                <a16:creationId xmlns:a16="http://schemas.microsoft.com/office/drawing/2014/main" id="{092C363B-7B73-6F6F-003A-A7AA6F4BE256}"/>
+              </a:ext>
+            </a:extLst>
+          </p:cNvPr>
+          <p:cNvSpPr>
+            <a:spLocks noGrp="1"/>
+          </p:cNvSpPr>
+          <p:nvPr>
+            <p:ph type="subTitle" idx="1"/>
+          </p:nvPr>
+        </p:nvSpPr>
+        <p:spPr/>
+        <p:txBody>
+          <a:bodyPr/>
+          <a:lstStyle/>
+          <a:p>
+            <a:endParaRPr lang="en-US" dirty="0"/>
+          </a:p>
+        </p:txBody>
+      </p:sp>
+    </p:spTree>
+    <p:extLst>
+      <p:ext uri="{BB962C8B-B14F-4D97-AF65-F5344CB8AC3E}">
+        <p14:creationId xmlns:p14="http://schemas.microsoft.com/office/powerpoint/2010/main" val="2152380795"/>
+      </p:ext>
+    </p:extLst>
+  </p:cSld>
+  <p:clrMapOvr>
+    <a:masterClrMapping/>
+  </p:clrMapOvr>
+</p:sld>
+</file>
+
+<file path=ppt/slides/slide23.xml><?xml version="1.0" encoding="utf-8"?>
+<p:sld xmlns:a="http://schemas.openxmlformats.org/drawingml/2006/main" xmlns:r="http://schemas.openxmlformats.org/officeDocument/2006/relationships" xmlns:p="http://schemas.openxmlformats.org/presentationml/2006/main">
+  <p:cSld>
+    <p:spTree>
+      <p:nvGrpSpPr>
+        <p:cNvPr id="1" name=""/>
+        <p:cNvGrpSpPr/>
+        <p:nvPr/>
+      </p:nvGrpSpPr>
+      <p:grpSpPr>
+        <a:xfrm>
+          <a:off x="0" y="0"/>
+          <a:ext cx="0" cy="0"/>
+          <a:chOff x="0" y="0"/>
+          <a:chExt cx="0" cy="0"/>
+        </a:xfrm>
+      </p:grpSpPr>
+      <p:sp>
+        <p:nvSpPr>
+          <p:cNvPr id="2" name="Title 1">
+            <a:extLst>
+              <a:ext uri="{FF2B5EF4-FFF2-40B4-BE49-F238E27FC236}">
+                <a16:creationId xmlns:a16="http://schemas.microsoft.com/office/drawing/2014/main" id="{62FCF270-97E0-0B38-E75D-D8D2D7F9A486}"/>
+              </a:ext>
+            </a:extLst>
+          </p:cNvPr>
+          <p:cNvSpPr>
+            <a:spLocks noGrp="1"/>
+          </p:cNvSpPr>
+          <p:nvPr>
+            <p:ph type="ctrTitle"/>
+          </p:nvPr>
+        </p:nvSpPr>
+        <p:spPr/>
+        <p:txBody>
+          <a:bodyPr/>
+          <a:lstStyle/>
+          <a:p>
+            <a:r>
+              <a:rPr lang="en-US" dirty="0"/>
+              <a:t>Tachio Terauchi</a:t>
+            </a:r>
+          </a:p>
+        </p:txBody>
+      </p:sp>
+      <p:sp>
+        <p:nvSpPr>
+          <p:cNvPr id="3" name="Subtitle 2">
+            <a:extLst>
+              <a:ext uri="{FF2B5EF4-FFF2-40B4-BE49-F238E27FC236}">
+                <a16:creationId xmlns:a16="http://schemas.microsoft.com/office/drawing/2014/main" id="{22D8AB87-DDD9-2699-2001-ED99C04C8361}"/>
+              </a:ext>
+            </a:extLst>
+          </p:cNvPr>
+          <p:cNvSpPr>
+            <a:spLocks noGrp="1"/>
+          </p:cNvSpPr>
+          <p:nvPr>
+            <p:ph type="subTitle" idx="1"/>
+          </p:nvPr>
+        </p:nvSpPr>
+        <p:spPr/>
+        <p:txBody>
+          <a:bodyPr/>
+          <a:lstStyle/>
+          <a:p>
+            <a:r>
+              <a:rPr lang="en-US" dirty="0" err="1"/>
+              <a:t>Waseda</a:t>
+            </a:r>
+            <a:endParaRPr lang="en-US" dirty="0"/>
+          </a:p>
+        </p:txBody>
+      </p:sp>
+    </p:spTree>
+    <p:extLst>
+      <p:ext uri="{BB962C8B-B14F-4D97-AF65-F5344CB8AC3E}">
+        <p14:creationId xmlns:p14="http://schemas.microsoft.com/office/powerpoint/2010/main" val="4240898420"/>
+      </p:ext>
+    </p:extLst>
+  </p:cSld>
+  <p:clrMapOvr>
+    <a:masterClrMapping/>
+  </p:clrMapOvr>
+</p:sld>
+</file>
+
+<file path=ppt/slides/slide24.xml><?xml version="1.0" encoding="utf-8"?>
+<p:sld xmlns:a="http://schemas.openxmlformats.org/drawingml/2006/main" xmlns:r="http://schemas.openxmlformats.org/officeDocument/2006/relationships" xmlns:p="http://schemas.openxmlformats.org/presentationml/2006/main">
+  <p:cSld>
+    <p:spTree>
+      <p:nvGrpSpPr>
+        <p:cNvPr id="1" name=""/>
+        <p:cNvGrpSpPr/>
+        <p:nvPr/>
+      </p:nvGrpSpPr>
+      <p:grpSpPr>
+        <a:xfrm>
+          <a:off x="0" y="0"/>
+          <a:ext cx="0" cy="0"/>
+          <a:chOff x="0" y="0"/>
+          <a:chExt cx="0" cy="0"/>
+        </a:xfrm>
+      </p:grpSpPr>
+      <p:sp>
+        <p:nvSpPr>
+          <p:cNvPr id="2" name="Title 1">
+            <a:extLst>
+              <a:ext uri="{FF2B5EF4-FFF2-40B4-BE49-F238E27FC236}">
                 <a16:creationId xmlns:a16="http://schemas.microsoft.com/office/drawing/2014/main" id="{62FCF270-97E0-0B38-E75D-D8D2D7F9A486}"/>
               </a:ext>
             </a:extLst>
@@ -5036,7 +5210,7 @@
 </p:sld>
 </file>
 
-<file path=ppt/slides/slide23.xml><?xml version="1.0" encoding="utf-8"?>
+<file path=ppt/slides/slide25.xml><?xml version="1.0" encoding="utf-8"?>
 <p:sld xmlns:a="http://schemas.openxmlformats.org/drawingml/2006/main" xmlns:r="http://schemas.openxmlformats.org/officeDocument/2006/relationships" xmlns:p="http://schemas.openxmlformats.org/presentationml/2006/main">
   <p:cSld>
     <p:spTree>
@@ -5633,7 +5807,11 @@
           <a:bodyPr/>
           <a:lstStyle/>
           <a:p>
-            <a:endParaRPr lang="en-US"/>
+            <a:r>
+              <a:rPr lang="en-US"/>
+              <a:t>National Taiwan University</a:t>
+            </a:r>
+            <a:endParaRPr lang="en-US" dirty="0"/>
           </a:p>
         </p:txBody>
       </p:sp>

--- a/Introductions.pptx
+++ b/Introductions.pptx
@@ -3898,8 +3898,64 @@
               <a:t>TU Wien</a:t>
             </a:r>
           </a:p>
-        </p:txBody>
-      </p:sp>
+          <a:p>
+            <a:r>
+              <a:rPr lang="en-US" dirty="0">
+                <a:hlinkClick r:id="rId2"/>
+              </a:rPr>
+              <a:t>Katalin Fazekas - Homepage (kfazekas.github.io)</a:t>
+            </a:r>
+            <a:endParaRPr lang="en-US" dirty="0"/>
+          </a:p>
+        </p:txBody>
+      </p:sp>
+      <p:pic>
+        <p:nvPicPr>
+          <p:cNvPr id="12290" name="Picture 2">
+            <a:extLst>
+              <a:ext uri="{FF2B5EF4-FFF2-40B4-BE49-F238E27FC236}">
+                <a16:creationId xmlns:a16="http://schemas.microsoft.com/office/drawing/2014/main" id="{007712E8-FA36-7691-36AA-15DC67AABD89}"/>
+              </a:ext>
+            </a:extLst>
+          </p:cNvPr>
+          <p:cNvPicPr>
+            <a:picLocks noChangeAspect="1" noChangeArrowheads="1"/>
+          </p:cNvPicPr>
+          <p:nvPr/>
+        </p:nvPicPr>
+        <p:blipFill>
+          <a:blip r:embed="rId3">
+            <a:extLst>
+              <a:ext uri="{28A0092B-C50C-407E-A947-70E740481C1C}">
+                <a14:useLocalDpi xmlns:a14="http://schemas.microsoft.com/office/drawing/2010/main" val="0"/>
+              </a:ext>
+            </a:extLst>
+          </a:blip>
+          <a:srcRect/>
+          <a:stretch>
+            <a:fillRect/>
+          </a:stretch>
+        </p:blipFill>
+        <p:spPr bwMode="auto">
+          <a:xfrm>
+            <a:off x="9334500" y="0"/>
+            <a:ext cx="2857500" cy="2857500"/>
+          </a:xfrm>
+          <a:prstGeom prst="rect">
+            <a:avLst/>
+          </a:prstGeom>
+          <a:noFill/>
+          <a:extLst>
+            <a:ext uri="{909E8E84-426E-40DD-AFC4-6F175D3DCCD1}">
+              <a14:hiddenFill xmlns:a14="http://schemas.microsoft.com/office/drawing/2010/main">
+                <a:solidFill>
+                  <a:srgbClr val="FFFFFF"/>
+                </a:solidFill>
+              </a14:hiddenFill>
+            </a:ext>
+          </a:extLst>
+        </p:spPr>
+      </p:pic>
     </p:spTree>
     <p:extLst>
       <p:ext uri="{BB962C8B-B14F-4D97-AF65-F5344CB8AC3E}">
@@ -3984,6 +4040,15 @@
               <a:t>Stanford</a:t>
             </a:r>
           </a:p>
+          <a:p>
+            <a:r>
+              <a:rPr lang="en-US" dirty="0">
+                <a:hlinkClick r:id="rId2"/>
+              </a:rPr>
+              <a:t>Home | Mathias Preiner (stanford.edu)</a:t>
+            </a:r>
+            <a:endParaRPr lang="en-US" dirty="0"/>
+          </a:p>
         </p:txBody>
       </p:sp>
     </p:spTree>
@@ -4070,6 +4135,27 @@
               <a:t>Stanford</a:t>
             </a:r>
           </a:p>
+          <a:p>
+            <a:r>
+              <a:rPr lang="en-US" dirty="0">
+                <a:hlinkClick r:id="rId2"/>
+              </a:rPr>
+              <a:t>Aina Niemetz | Sr. Research Scientist, Computer </a:t>
+            </a:r>
+            <a:r>
+              <a:rPr lang="en-US" dirty="0" err="1">
+                <a:hlinkClick r:id="rId2"/>
+              </a:rPr>
+              <a:t>ScienceStanford</a:t>
+            </a:r>
+            <a:r>
+              <a:rPr lang="en-US" dirty="0">
+                <a:hlinkClick r:id="rId2"/>
+              </a:rPr>
+              <a:t> University</a:t>
+            </a:r>
+            <a:endParaRPr lang="en-US" dirty="0"/>
+          </a:p>
         </p:txBody>
       </p:sp>
     </p:spTree>
@@ -4156,10 +4242,69 @@
           <a:bodyPr/>
           <a:lstStyle/>
           <a:p>
-            <a:endParaRPr lang="en-US"/>
-          </a:p>
-        </p:txBody>
-      </p:sp>
+            <a:r>
+              <a:rPr lang="en-US" dirty="0">
+                <a:hlinkClick r:id="rId2"/>
+              </a:rPr>
+              <a:t>tsoh.org</a:t>
+            </a:r>
+            <a:endParaRPr lang="en-US" dirty="0"/>
+          </a:p>
+          <a:p>
+            <a:r>
+              <a:rPr lang="en-US" dirty="0"/>
+              <a:t>Kobe University</a:t>
+            </a:r>
+          </a:p>
+        </p:txBody>
+      </p:sp>
+      <p:pic>
+        <p:nvPicPr>
+          <p:cNvPr id="11266" name="Picture 2">
+            <a:extLst>
+              <a:ext uri="{FF2B5EF4-FFF2-40B4-BE49-F238E27FC236}">
+                <a16:creationId xmlns:a16="http://schemas.microsoft.com/office/drawing/2014/main" id="{278EC38A-A3B9-7C6A-BBDE-CC5718E28F80}"/>
+              </a:ext>
+            </a:extLst>
+          </p:cNvPr>
+          <p:cNvPicPr>
+            <a:picLocks noChangeAspect="1" noChangeArrowheads="1"/>
+          </p:cNvPicPr>
+          <p:nvPr/>
+        </p:nvPicPr>
+        <p:blipFill>
+          <a:blip r:embed="rId3">
+            <a:extLst>
+              <a:ext uri="{28A0092B-C50C-407E-A947-70E740481C1C}">
+                <a14:useLocalDpi xmlns:a14="http://schemas.microsoft.com/office/drawing/2010/main" val="0"/>
+              </a:ext>
+            </a:extLst>
+          </a:blip>
+          <a:srcRect/>
+          <a:stretch>
+            <a:fillRect/>
+          </a:stretch>
+        </p:blipFill>
+        <p:spPr bwMode="auto">
+          <a:xfrm>
+            <a:off x="9026305" y="0"/>
+            <a:ext cx="3165695" cy="3904358"/>
+          </a:xfrm>
+          <a:prstGeom prst="rect">
+            <a:avLst/>
+          </a:prstGeom>
+          <a:noFill/>
+          <a:extLst>
+            <a:ext uri="{909E8E84-426E-40DD-AFC4-6F175D3DCCD1}">
+              <a14:hiddenFill xmlns:a14="http://schemas.microsoft.com/office/drawing/2010/main">
+                <a:solidFill>
+                  <a:srgbClr val="FFFFFF"/>
+                </a:solidFill>
+              </a14:hiddenFill>
+            </a:ext>
+          </a:extLst>
+        </p:spPr>
+      </p:pic>
     </p:spTree>
     <p:extLst>
       <p:ext uri="{BB962C8B-B14F-4D97-AF65-F5344CB8AC3E}">
@@ -4248,10 +4393,60 @@
           <a:bodyPr/>
           <a:lstStyle/>
           <a:p>
-            <a:endParaRPr lang="en-US"/>
-          </a:p>
-        </p:txBody>
-      </p:sp>
+            <a:r>
+              <a:rPr lang="en-US" dirty="0"/>
+              <a:t>Nagoya University</a:t>
+            </a:r>
+          </a:p>
+        </p:txBody>
+      </p:sp>
+      <p:pic>
+        <p:nvPicPr>
+          <p:cNvPr id="10242" name="Picture 2" descr="Mutsunori Banbara">
+            <a:extLst>
+              <a:ext uri="{FF2B5EF4-FFF2-40B4-BE49-F238E27FC236}">
+                <a16:creationId xmlns:a16="http://schemas.microsoft.com/office/drawing/2014/main" id="{34EA759A-C9F0-112D-808B-1D4C0291EB50}"/>
+              </a:ext>
+            </a:extLst>
+          </p:cNvPr>
+          <p:cNvPicPr>
+            <a:picLocks noChangeAspect="1" noChangeArrowheads="1"/>
+          </p:cNvPicPr>
+          <p:nvPr/>
+        </p:nvPicPr>
+        <p:blipFill>
+          <a:blip r:embed="rId2">
+            <a:extLst>
+              <a:ext uri="{28A0092B-C50C-407E-A947-70E740481C1C}">
+                <a14:useLocalDpi xmlns:a14="http://schemas.microsoft.com/office/drawing/2010/main" val="0"/>
+              </a:ext>
+            </a:extLst>
+          </a:blip>
+          <a:srcRect/>
+          <a:stretch>
+            <a:fillRect/>
+          </a:stretch>
+        </p:blipFill>
+        <p:spPr bwMode="auto">
+          <a:xfrm>
+            <a:off x="9859225" y="0"/>
+            <a:ext cx="2332776" cy="2690048"/>
+          </a:xfrm>
+          <a:prstGeom prst="rect">
+            <a:avLst/>
+          </a:prstGeom>
+          <a:noFill/>
+          <a:extLst>
+            <a:ext uri="{909E8E84-426E-40DD-AFC4-6F175D3DCCD1}">
+              <a14:hiddenFill xmlns:a14="http://schemas.microsoft.com/office/drawing/2010/main">
+                <a:solidFill>
+                  <a:srgbClr val="FFFFFF"/>
+                </a:solidFill>
+              </a14:hiddenFill>
+            </a:ext>
+          </a:extLst>
+        </p:spPr>
+      </p:pic>
     </p:spTree>
     <p:extLst>
       <p:ext uri="{BB962C8B-B14F-4D97-AF65-F5344CB8AC3E}">
@@ -4331,10 +4526,69 @@
           <a:bodyPr/>
           <a:lstStyle/>
           <a:p>
-            <a:endParaRPr lang="en-US"/>
-          </a:p>
-        </p:txBody>
-      </p:sp>
+            <a:r>
+              <a:rPr lang="en-US" dirty="0"/>
+              <a:t>Iowa State University</a:t>
+            </a:r>
+          </a:p>
+          <a:p>
+            <a:r>
+              <a:rPr lang="en-US" dirty="0">
+                <a:hlinkClick r:id="rId2"/>
+              </a:rPr>
+              <a:t>Kristin Yvonne Rozier, Ph.D. – Iowa State University (iastate.edu)</a:t>
+            </a:r>
+            <a:endParaRPr lang="en-US" dirty="0"/>
+          </a:p>
+        </p:txBody>
+      </p:sp>
+      <p:pic>
+        <p:nvPicPr>
+          <p:cNvPr id="9218" name="Picture 2" descr="Kristin Yvonne Rozier">
+            <a:extLst>
+              <a:ext uri="{FF2B5EF4-FFF2-40B4-BE49-F238E27FC236}">
+                <a16:creationId xmlns:a16="http://schemas.microsoft.com/office/drawing/2014/main" id="{A1E93C41-E7EA-04C9-10A9-141F982C5859}"/>
+              </a:ext>
+            </a:extLst>
+          </p:cNvPr>
+          <p:cNvPicPr>
+            <a:picLocks noChangeAspect="1" noChangeArrowheads="1"/>
+          </p:cNvPicPr>
+          <p:nvPr/>
+        </p:nvPicPr>
+        <p:blipFill>
+          <a:blip r:embed="rId3">
+            <a:extLst>
+              <a:ext uri="{28A0092B-C50C-407E-A947-70E740481C1C}">
+                <a14:useLocalDpi xmlns:a14="http://schemas.microsoft.com/office/drawing/2010/main" val="0"/>
+              </a:ext>
+            </a:extLst>
+          </a:blip>
+          <a:srcRect/>
+          <a:stretch>
+            <a:fillRect/>
+          </a:stretch>
+        </p:blipFill>
+        <p:spPr bwMode="auto">
+          <a:xfrm>
+            <a:off x="9488032" y="0"/>
+            <a:ext cx="2703968" cy="3605290"/>
+          </a:xfrm>
+          <a:prstGeom prst="rect">
+            <a:avLst/>
+          </a:prstGeom>
+          <a:noFill/>
+          <a:extLst>
+            <a:ext uri="{909E8E84-426E-40DD-AFC4-6F175D3DCCD1}">
+              <a14:hiddenFill xmlns:a14="http://schemas.microsoft.com/office/drawing/2010/main">
+                <a:solidFill>
+                  <a:srgbClr val="FFFFFF"/>
+                </a:solidFill>
+              </a14:hiddenFill>
+            </a:ext>
+          </a:extLst>
+        </p:spPr>
+      </p:pic>
     </p:spTree>
     <p:extLst>
       <p:ext uri="{BB962C8B-B14F-4D97-AF65-F5344CB8AC3E}">
@@ -4419,7 +4673,14 @@
           <a:bodyPr/>
           <a:lstStyle/>
           <a:p>
-            <a:endParaRPr lang="en-US"/>
+            <a:r>
+              <a:rPr lang="en-US" dirty="0" err="1"/>
+              <a:t>Kyoshu</a:t>
+            </a:r>
+            <a:r>
+              <a:rPr lang="en-US" dirty="0"/>
+              <a:t> University</a:t>
+            </a:r>
           </a:p>
         </p:txBody>
       </p:sp>
@@ -4507,8 +4768,70 @@
               <a:t>Nagoya University</a:t>
             </a:r>
           </a:p>
-        </p:txBody>
-      </p:sp>
+          <a:p>
+            <a:r>
+              <a:rPr lang="ja-JP" altLang="en-US" dirty="0">
+                <a:hlinkClick r:id="rId2"/>
+              </a:rPr>
+              <a:t>酒井正彦 ホームページ </a:t>
+            </a:r>
+            <a:r>
+              <a:rPr lang="en-US" altLang="ja-JP" dirty="0">
+                <a:hlinkClick r:id="rId2"/>
+              </a:rPr>
+              <a:t>(nagoya-u.ac.jp)</a:t>
+            </a:r>
+            <a:endParaRPr lang="en-US" dirty="0"/>
+          </a:p>
+        </p:txBody>
+      </p:sp>
+      <p:pic>
+        <p:nvPicPr>
+          <p:cNvPr id="8194" name="Picture 2" descr="酒井正彦">
+            <a:extLst>
+              <a:ext uri="{FF2B5EF4-FFF2-40B4-BE49-F238E27FC236}">
+                <a16:creationId xmlns:a16="http://schemas.microsoft.com/office/drawing/2014/main" id="{BE2B1D18-E116-FEB6-C402-41094A35F782}"/>
+              </a:ext>
+            </a:extLst>
+          </p:cNvPr>
+          <p:cNvPicPr>
+            <a:picLocks noChangeAspect="1" noChangeArrowheads="1"/>
+          </p:cNvPicPr>
+          <p:nvPr/>
+        </p:nvPicPr>
+        <p:blipFill>
+          <a:blip r:embed="rId3">
+            <a:extLst>
+              <a:ext uri="{28A0092B-C50C-407E-A947-70E740481C1C}">
+                <a14:useLocalDpi xmlns:a14="http://schemas.microsoft.com/office/drawing/2010/main" val="0"/>
+              </a:ext>
+            </a:extLst>
+          </a:blip>
+          <a:srcRect/>
+          <a:stretch>
+            <a:fillRect/>
+          </a:stretch>
+        </p:blipFill>
+        <p:spPr bwMode="auto">
+          <a:xfrm>
+            <a:off x="10411485" y="-1"/>
+            <a:ext cx="1780515" cy="1780515"/>
+          </a:xfrm>
+          <a:prstGeom prst="rect">
+            <a:avLst/>
+          </a:prstGeom>
+          <a:noFill/>
+          <a:extLst>
+            <a:ext uri="{909E8E84-426E-40DD-AFC4-6F175D3DCCD1}">
+              <a14:hiddenFill xmlns:a14="http://schemas.microsoft.com/office/drawing/2010/main">
+                <a:solidFill>
+                  <a:srgbClr val="FFFFFF"/>
+                </a:solidFill>
+              </a14:hiddenFill>
+            </a:ext>
+          </a:extLst>
+        </p:spPr>
+      </p:pic>
     </p:spTree>
     <p:extLst>
       <p:ext uri="{BB962C8B-B14F-4D97-AF65-F5344CB8AC3E}">
@@ -4562,13 +4885,8 @@
           <a:p>
             <a:r>
               <a:rPr lang="en-US" dirty="0"/>
-              <a:t>Jakob </a:t>
-            </a:r>
-            <a:r>
-              <a:rPr lang="en-US" dirty="0" err="1"/>
-              <a:t>Nordstroem</a:t>
-            </a:r>
-            <a:endParaRPr lang="en-US" dirty="0"/>
+              <a:t>Jakob Nordström</a:t>
+            </a:r>
           </a:p>
         </p:txBody>
       </p:sp>
@@ -4588,7 +4906,12 @@
             <p:ph type="subTitle" idx="1"/>
           </p:nvPr>
         </p:nvSpPr>
-        <p:spPr/>
+        <p:spPr>
+          <a:xfrm>
+            <a:off x="1433466" y="3674466"/>
+            <a:ext cx="9144000" cy="1655762"/>
+          </a:xfrm>
+        </p:spPr>
         <p:txBody>
           <a:bodyPr/>
           <a:lstStyle/>
@@ -4598,8 +4921,64 @@
               <a:t>DIKU</a:t>
             </a:r>
           </a:p>
-        </p:txBody>
-      </p:sp>
+          <a:p>
+            <a:r>
+              <a:rPr lang="en-US" dirty="0">
+                <a:hlinkClick r:id="rId2"/>
+              </a:rPr>
+              <a:t>Jakob Nordström (jakobnordstrom.github.io)</a:t>
+            </a:r>
+            <a:endParaRPr lang="en-US" dirty="0"/>
+          </a:p>
+        </p:txBody>
+      </p:sp>
+      <p:pic>
+        <p:nvPicPr>
+          <p:cNvPr id="7170" name="Picture 2" descr="Picture of Jakob Nordstrom">
+            <a:extLst>
+              <a:ext uri="{FF2B5EF4-FFF2-40B4-BE49-F238E27FC236}">
+                <a16:creationId xmlns:a16="http://schemas.microsoft.com/office/drawing/2014/main" id="{1DDD635E-51BC-9138-2817-E4E489C7E518}"/>
+              </a:ext>
+            </a:extLst>
+          </p:cNvPr>
+          <p:cNvPicPr>
+            <a:picLocks noChangeAspect="1" noChangeArrowheads="1"/>
+          </p:cNvPicPr>
+          <p:nvPr/>
+        </p:nvPicPr>
+        <p:blipFill>
+          <a:blip r:embed="rId3">
+            <a:extLst>
+              <a:ext uri="{28A0092B-C50C-407E-A947-70E740481C1C}">
+                <a14:useLocalDpi xmlns:a14="http://schemas.microsoft.com/office/drawing/2010/main" val="0"/>
+              </a:ext>
+            </a:extLst>
+          </a:blip>
+          <a:srcRect/>
+          <a:stretch>
+            <a:fillRect/>
+          </a:stretch>
+        </p:blipFill>
+        <p:spPr bwMode="auto">
+          <a:xfrm>
+            <a:off x="9168143" y="0"/>
+            <a:ext cx="3023857" cy="3023857"/>
+          </a:xfrm>
+          <a:prstGeom prst="rect">
+            <a:avLst/>
+          </a:prstGeom>
+          <a:noFill/>
+          <a:extLst>
+            <a:ext uri="{909E8E84-426E-40DD-AFC4-6F175D3DCCD1}">
+              <a14:hiddenFill xmlns:a14="http://schemas.microsoft.com/office/drawing/2010/main">
+                <a:solidFill>
+                  <a:srgbClr val="FFFFFF"/>
+                </a:solidFill>
+              </a14:hiddenFill>
+            </a:ext>
+          </a:extLst>
+        </p:spPr>
+      </p:pic>
     </p:spTree>
     <p:extLst>
       <p:ext uri="{BB962C8B-B14F-4D97-AF65-F5344CB8AC3E}">
@@ -4686,6 +5065,53 @@
           </a:p>
         </p:txBody>
       </p:sp>
+      <p:pic>
+        <p:nvPicPr>
+          <p:cNvPr id="6146" name="Picture 2" descr="Image result for Nina Narodytska">
+            <a:extLst>
+              <a:ext uri="{FF2B5EF4-FFF2-40B4-BE49-F238E27FC236}">
+                <a16:creationId xmlns:a16="http://schemas.microsoft.com/office/drawing/2014/main" id="{8297A5D4-9D1B-AEB1-3F64-ED9DB7ED4E8E}"/>
+              </a:ext>
+            </a:extLst>
+          </p:cNvPr>
+          <p:cNvPicPr>
+            <a:picLocks noChangeAspect="1" noChangeArrowheads="1"/>
+          </p:cNvPicPr>
+          <p:nvPr/>
+        </p:nvPicPr>
+        <p:blipFill>
+          <a:blip r:embed="rId2">
+            <a:extLst>
+              <a:ext uri="{28A0092B-C50C-407E-A947-70E740481C1C}">
+                <a14:useLocalDpi xmlns:a14="http://schemas.microsoft.com/office/drawing/2010/main" val="0"/>
+              </a:ext>
+            </a:extLst>
+          </a:blip>
+          <a:srcRect/>
+          <a:stretch>
+            <a:fillRect/>
+          </a:stretch>
+        </p:blipFill>
+        <p:spPr bwMode="auto">
+          <a:xfrm>
+            <a:off x="9732475" y="0"/>
+            <a:ext cx="2459525" cy="2509212"/>
+          </a:xfrm>
+          <a:prstGeom prst="rect">
+            <a:avLst/>
+          </a:prstGeom>
+          <a:noFill/>
+          <a:extLst>
+            <a:ext uri="{909E8E84-426E-40DD-AFC4-6F175D3DCCD1}">
+              <a14:hiddenFill xmlns:a14="http://schemas.microsoft.com/office/drawing/2010/main">
+                <a:solidFill>
+                  <a:srgbClr val="FFFFFF"/>
+                </a:solidFill>
+              </a14:hiddenFill>
+            </a:ext>
+          </a:extLst>
+        </p:spPr>
+      </p:pic>
     </p:spTree>
     <p:extLst>
       <p:ext uri="{BB962C8B-B14F-4D97-AF65-F5344CB8AC3E}">
@@ -4855,6 +5281,53 @@
           </a:p>
         </p:txBody>
       </p:sp>
+      <p:pic>
+        <p:nvPicPr>
+          <p:cNvPr id="1026" name="Picture 2" descr="Bun on Twitter: &quot;RT @roopshasamanta: My theory — Purdue CS denied me ...">
+            <a:extLst>
+              <a:ext uri="{FF2B5EF4-FFF2-40B4-BE49-F238E27FC236}">
+                <a16:creationId xmlns:a16="http://schemas.microsoft.com/office/drawing/2014/main" id="{1BDB3972-6047-56EC-7AA0-5B4D33733E9D}"/>
+              </a:ext>
+            </a:extLst>
+          </p:cNvPr>
+          <p:cNvPicPr>
+            <a:picLocks noChangeAspect="1" noChangeArrowheads="1"/>
+          </p:cNvPicPr>
+          <p:nvPr/>
+        </p:nvPicPr>
+        <p:blipFill>
+          <a:blip r:embed="rId2">
+            <a:extLst>
+              <a:ext uri="{28A0092B-C50C-407E-A947-70E740481C1C}">
+                <a14:useLocalDpi xmlns:a14="http://schemas.microsoft.com/office/drawing/2010/main" val="0"/>
+              </a:ext>
+            </a:extLst>
+          </a:blip>
+          <a:srcRect/>
+          <a:stretch>
+            <a:fillRect/>
+          </a:stretch>
+        </p:blipFill>
+        <p:spPr bwMode="auto">
+          <a:xfrm>
+            <a:off x="9243588" y="0"/>
+            <a:ext cx="2948412" cy="2948412"/>
+          </a:xfrm>
+          <a:prstGeom prst="rect">
+            <a:avLst/>
+          </a:prstGeom>
+          <a:noFill/>
+          <a:extLst>
+            <a:ext uri="{909E8E84-426E-40DD-AFC4-6F175D3DCCD1}">
+              <a14:hiddenFill xmlns:a14="http://schemas.microsoft.com/office/drawing/2010/main">
+                <a:solidFill>
+                  <a:srgbClr val="FFFFFF"/>
+                </a:solidFill>
+              </a14:hiddenFill>
+            </a:ext>
+          </a:extLst>
+        </p:spPr>
+      </p:pic>
     </p:spTree>
     <p:extLst>
       <p:ext uri="{BB962C8B-B14F-4D97-AF65-F5344CB8AC3E}">
@@ -4936,11 +5409,58 @@
           <a:p>
             <a:r>
               <a:rPr lang="en-US" dirty="0"/>
-              <a:t>NII</a:t>
-            </a:r>
-          </a:p>
-        </p:txBody>
-      </p:sp>
+              <a:t>National institute of Informatics</a:t>
+            </a:r>
+          </a:p>
+        </p:txBody>
+      </p:sp>
+      <p:pic>
+        <p:nvPicPr>
+          <p:cNvPr id="5122" name="Picture 2">
+            <a:extLst>
+              <a:ext uri="{FF2B5EF4-FFF2-40B4-BE49-F238E27FC236}">
+                <a16:creationId xmlns:a16="http://schemas.microsoft.com/office/drawing/2014/main" id="{5333B2FB-2EE7-5AF7-ADD3-77CCB0DEC93B}"/>
+              </a:ext>
+            </a:extLst>
+          </p:cNvPr>
+          <p:cNvPicPr>
+            <a:picLocks noChangeAspect="1" noChangeArrowheads="1"/>
+          </p:cNvPicPr>
+          <p:nvPr/>
+        </p:nvPicPr>
+        <p:blipFill>
+          <a:blip r:embed="rId2">
+            <a:extLst>
+              <a:ext uri="{28A0092B-C50C-407E-A947-70E740481C1C}">
+                <a14:useLocalDpi xmlns:a14="http://schemas.microsoft.com/office/drawing/2010/main" val="0"/>
+              </a:ext>
+            </a:extLst>
+          </a:blip>
+          <a:srcRect/>
+          <a:stretch>
+            <a:fillRect/>
+          </a:stretch>
+        </p:blipFill>
+        <p:spPr bwMode="auto">
+          <a:xfrm>
+            <a:off x="9162106" y="20637"/>
+            <a:ext cx="3029893" cy="4039857"/>
+          </a:xfrm>
+          <a:prstGeom prst="rect">
+            <a:avLst/>
+          </a:prstGeom>
+          <a:noFill/>
+          <a:extLst>
+            <a:ext uri="{909E8E84-426E-40DD-AFC4-6F175D3DCCD1}">
+              <a14:hiddenFill xmlns:a14="http://schemas.microsoft.com/office/drawing/2010/main">
+                <a:solidFill>
+                  <a:srgbClr val="FFFFFF"/>
+                </a:solidFill>
+              </a14:hiddenFill>
+            </a:ext>
+          </a:extLst>
+        </p:spPr>
+      </p:pic>
     </p:spTree>
     <p:extLst>
       <p:ext uri="{BB962C8B-B14F-4D97-AF65-F5344CB8AC3E}">
@@ -5020,10 +5540,60 @@
           <a:bodyPr/>
           <a:lstStyle/>
           <a:p>
-            <a:endParaRPr lang="en-US" dirty="0"/>
-          </a:p>
-        </p:txBody>
-      </p:sp>
+            <a:r>
+              <a:rPr lang="en-US" dirty="0"/>
+              <a:t>Kyoto University</a:t>
+            </a:r>
+          </a:p>
+        </p:txBody>
+      </p:sp>
+      <p:pic>
+        <p:nvPicPr>
+          <p:cNvPr id="4098" name="Picture 2" descr="Shin-ichi Minato's picture">
+            <a:extLst>
+              <a:ext uri="{FF2B5EF4-FFF2-40B4-BE49-F238E27FC236}">
+                <a16:creationId xmlns:a16="http://schemas.microsoft.com/office/drawing/2014/main" id="{EC4C7577-F239-EAE7-1150-3BFF597DDDB8}"/>
+              </a:ext>
+            </a:extLst>
+          </p:cNvPr>
+          <p:cNvPicPr>
+            <a:picLocks noChangeAspect="1" noChangeArrowheads="1"/>
+          </p:cNvPicPr>
+          <p:nvPr/>
+        </p:nvPicPr>
+        <p:blipFill>
+          <a:blip r:embed="rId2">
+            <a:extLst>
+              <a:ext uri="{28A0092B-C50C-407E-A947-70E740481C1C}">
+                <a14:useLocalDpi xmlns:a14="http://schemas.microsoft.com/office/drawing/2010/main" val="0"/>
+              </a:ext>
+            </a:extLst>
+          </a:blip>
+          <a:srcRect/>
+          <a:stretch>
+            <a:fillRect/>
+          </a:stretch>
+        </p:blipFill>
+        <p:spPr bwMode="auto">
+          <a:xfrm>
+            <a:off x="9534125" y="11615"/>
+            <a:ext cx="2657876" cy="1771917"/>
+          </a:xfrm>
+          <a:prstGeom prst="rect">
+            <a:avLst/>
+          </a:prstGeom>
+          <a:noFill/>
+          <a:extLst>
+            <a:ext uri="{909E8E84-426E-40DD-AFC4-6F175D3DCCD1}">
+              <a14:hiddenFill xmlns:a14="http://schemas.microsoft.com/office/drawing/2010/main">
+                <a:solidFill>
+                  <a:srgbClr val="FFFFFF"/>
+                </a:solidFill>
+              </a14:hiddenFill>
+            </a:ext>
+          </a:extLst>
+        </p:spPr>
+      </p:pic>
     </p:spTree>
     <p:extLst>
       <p:ext uri="{BB962C8B-B14F-4D97-AF65-F5344CB8AC3E}">
@@ -5111,6 +5681,53 @@
           </a:p>
         </p:txBody>
       </p:sp>
+      <p:pic>
+        <p:nvPicPr>
+          <p:cNvPr id="3074" name="Picture 2" descr="Image result for Tachi Terauchi">
+            <a:extLst>
+              <a:ext uri="{FF2B5EF4-FFF2-40B4-BE49-F238E27FC236}">
+                <a16:creationId xmlns:a16="http://schemas.microsoft.com/office/drawing/2014/main" id="{6D0FFF18-5580-31F1-ACE5-7E43528ACB1D}"/>
+              </a:ext>
+            </a:extLst>
+          </p:cNvPr>
+          <p:cNvPicPr>
+            <a:picLocks noChangeAspect="1" noChangeArrowheads="1"/>
+          </p:cNvPicPr>
+          <p:nvPr/>
+        </p:nvPicPr>
+        <p:blipFill>
+          <a:blip r:embed="rId2">
+            <a:extLst>
+              <a:ext uri="{28A0092B-C50C-407E-A947-70E740481C1C}">
+                <a14:useLocalDpi xmlns:a14="http://schemas.microsoft.com/office/drawing/2010/main" val="0"/>
+              </a:ext>
+            </a:extLst>
+          </a:blip>
+          <a:srcRect/>
+          <a:stretch>
+            <a:fillRect/>
+          </a:stretch>
+        </p:blipFill>
+        <p:spPr bwMode="auto">
+          <a:xfrm>
+            <a:off x="9650994" y="0"/>
+            <a:ext cx="2541006" cy="3166776"/>
+          </a:xfrm>
+          <a:prstGeom prst="rect">
+            <a:avLst/>
+          </a:prstGeom>
+          <a:noFill/>
+          <a:extLst>
+            <a:ext uri="{909E8E84-426E-40DD-AFC4-6F175D3DCCD1}">
+              <a14:hiddenFill xmlns:a14="http://schemas.microsoft.com/office/drawing/2010/main">
+                <a:solidFill>
+                  <a:srgbClr val="FFFFFF"/>
+                </a:solidFill>
+              </a14:hiddenFill>
+            </a:ext>
+          </a:extLst>
+        </p:spPr>
+      </p:pic>
     </p:spTree>
     <p:extLst>
       <p:ext uri="{BB962C8B-B14F-4D97-AF65-F5344CB8AC3E}">
@@ -5197,6 +5814,53 @@
           </a:p>
         </p:txBody>
       </p:sp>
+      <p:pic>
+        <p:nvPicPr>
+          <p:cNvPr id="2050" name="Picture 2" descr="A Fleet of Computers Helps Settle a 90-Year-Old Math Problem | WIRED">
+            <a:extLst>
+              <a:ext uri="{FF2B5EF4-FFF2-40B4-BE49-F238E27FC236}">
+                <a16:creationId xmlns:a16="http://schemas.microsoft.com/office/drawing/2014/main" id="{00981751-F779-2207-6DAE-296C3EC6470E}"/>
+              </a:ext>
+            </a:extLst>
+          </p:cNvPr>
+          <p:cNvPicPr>
+            <a:picLocks noChangeAspect="1" noChangeArrowheads="1"/>
+          </p:cNvPicPr>
+          <p:nvPr/>
+        </p:nvPicPr>
+        <p:blipFill>
+          <a:blip r:embed="rId2">
+            <a:extLst>
+              <a:ext uri="{28A0092B-C50C-407E-A947-70E740481C1C}">
+                <a14:useLocalDpi xmlns:a14="http://schemas.microsoft.com/office/drawing/2010/main" val="0"/>
+              </a:ext>
+            </a:extLst>
+          </a:blip>
+          <a:srcRect/>
+          <a:stretch>
+            <a:fillRect/>
+          </a:stretch>
+        </p:blipFill>
+        <p:spPr bwMode="auto">
+          <a:xfrm>
+            <a:off x="7876515" y="0"/>
+            <a:ext cx="4315485" cy="2495034"/>
+          </a:xfrm>
+          <a:prstGeom prst="rect">
+            <a:avLst/>
+          </a:prstGeom>
+          <a:noFill/>
+          <a:extLst>
+            <a:ext uri="{909E8E84-426E-40DD-AFC4-6F175D3DCCD1}">
+              <a14:hiddenFill xmlns:a14="http://schemas.microsoft.com/office/drawing/2010/main">
+                <a:solidFill>
+                  <a:srgbClr val="FFFFFF"/>
+                </a:solidFill>
+              </a14:hiddenFill>
+            </a:ext>
+          </a:extLst>
+        </p:spPr>
+      </p:pic>
     </p:spTree>
     <p:extLst>
       <p:ext uri="{BB962C8B-B14F-4D97-AF65-F5344CB8AC3E}">
@@ -5781,7 +6445,7 @@
           <a:p>
             <a:r>
               <a:rPr lang="en-US" dirty="0"/>
-              <a:t>Jie-Hong Roland</a:t>
+              <a:t>Jie-Hong Roland Jiang</a:t>
             </a:r>
           </a:p>
         </p:txBody>
@@ -5808,13 +6472,86 @@
           <a:lstStyle/>
           <a:p>
             <a:r>
-              <a:rPr lang="en-US"/>
+              <a:rPr lang="en-US" dirty="0"/>
               <a:t>National Taiwan University</a:t>
             </a:r>
+          </a:p>
+          <a:p>
+            <a:r>
+              <a:rPr lang="en-US" dirty="0">
+                <a:hlinkClick r:id="rId2"/>
+              </a:rPr>
+              <a:t>Jie-Hong Roland Jiang (</a:t>
+            </a:r>
+            <a:r>
+              <a:rPr lang="ja-JP" altLang="en-US" dirty="0">
+                <a:hlinkClick r:id="rId2"/>
+              </a:rPr>
+              <a:t>江介宏</a:t>
+            </a:r>
+            <a:r>
+              <a:rPr lang="en-US" altLang="ja-JP" dirty="0">
+                <a:hlinkClick r:id="rId2"/>
+              </a:rPr>
+              <a:t>) @ </a:t>
+            </a:r>
+            <a:r>
+              <a:rPr lang="en-US" dirty="0">
+                <a:hlinkClick r:id="rId2"/>
+              </a:rPr>
+              <a:t>National Taiwan University (ntu.edu.tw)</a:t>
+            </a:r>
             <a:endParaRPr lang="en-US" dirty="0"/>
           </a:p>
         </p:txBody>
       </p:sp>
+      <p:pic>
+        <p:nvPicPr>
+          <p:cNvPr id="13314" name="Picture 2" descr="Image result for Jie-Hong Roland">
+            <a:extLst>
+              <a:ext uri="{FF2B5EF4-FFF2-40B4-BE49-F238E27FC236}">
+                <a16:creationId xmlns:a16="http://schemas.microsoft.com/office/drawing/2014/main" id="{DAACAAB2-C457-D422-36DA-C6CE45B9AEF6}"/>
+              </a:ext>
+            </a:extLst>
+          </p:cNvPr>
+          <p:cNvPicPr>
+            <a:picLocks noChangeAspect="1" noChangeArrowheads="1"/>
+          </p:cNvPicPr>
+          <p:nvPr/>
+        </p:nvPicPr>
+        <p:blipFill>
+          <a:blip r:embed="rId3">
+            <a:extLst>
+              <a:ext uri="{28A0092B-C50C-407E-A947-70E740481C1C}">
+                <a14:useLocalDpi xmlns:a14="http://schemas.microsoft.com/office/drawing/2010/main" val="0"/>
+              </a:ext>
+            </a:extLst>
+          </a:blip>
+          <a:srcRect/>
+          <a:stretch>
+            <a:fillRect/>
+          </a:stretch>
+        </p:blipFill>
+        <p:spPr bwMode="auto">
+          <a:xfrm>
+            <a:off x="9751103" y="-1"/>
+            <a:ext cx="2440898" cy="3379705"/>
+          </a:xfrm>
+          <a:prstGeom prst="rect">
+            <a:avLst/>
+          </a:prstGeom>
+          <a:noFill/>
+          <a:extLst>
+            <a:ext uri="{909E8E84-426E-40DD-AFC4-6F175D3DCCD1}">
+              <a14:hiddenFill xmlns:a14="http://schemas.microsoft.com/office/drawing/2010/main">
+                <a:solidFill>
+                  <a:srgbClr val="FFFFFF"/>
+                </a:solidFill>
+              </a14:hiddenFill>
+            </a:ext>
+          </a:extLst>
+        </p:spPr>
+      </p:pic>
     </p:spTree>
     <p:extLst>
       <p:ext uri="{BB962C8B-B14F-4D97-AF65-F5344CB8AC3E}">
@@ -6073,7 +6810,19 @@
           <a:bodyPr/>
           <a:lstStyle/>
           <a:p>
-            <a:endParaRPr lang="en-US"/>
+            <a:r>
+              <a:rPr lang="en-US" dirty="0">
+                <a:hlinkClick r:id="rId2"/>
+              </a:rPr>
+              <a:t>Akihisa Yamada</a:t>
+            </a:r>
+            <a:endParaRPr lang="en-US" dirty="0"/>
+          </a:p>
+          <a:p>
+            <a:r>
+              <a:rPr lang="en-US" dirty="0"/>
+              <a:t>AIST Japan</a:t>
+            </a:r>
           </a:p>
         </p:txBody>
       </p:sp>
